--- a/一件禮物.pptx
+++ b/一件禮物.pptx
@@ -2,7 +2,7 @@
 <file path=ppt/presentation.xml><?xml version="1.0" encoding="utf-8"?>
 <p:presentation xmlns:a="http://schemas.openxmlformats.org/drawingml/2006/main" xmlns:r="http://schemas.openxmlformats.org/officeDocument/2006/relationships" xmlns:p="http://schemas.openxmlformats.org/presentationml/2006/main" saveSubsetFonts="1">
   <p:sldMasterIdLst>
-    <p:sldMasterId id="2147483660" r:id="rId1"/>
+    <p:sldMasterId id="2147483672" r:id="rId1"/>
   </p:sldMasterIdLst>
   <p:sldIdLst>
     <p:sldId id="257" r:id="rId2"/>
@@ -10,7 +10,7 @@
     <p:sldId id="259" r:id="rId4"/>
     <p:sldId id="260" r:id="rId5"/>
   </p:sldIdLst>
-  <p:sldSz cx="9144000" cy="6858000" type="screen4x3"/>
+  <p:sldSz cx="12192000" cy="6858000"/>
   <p:notesSz cx="6858000" cy="9144000"/>
   <p:defaultTextStyle>
     <a:defPPr>
@@ -107,6 +107,22 @@
       </a:defRPr>
     </a:lvl9pPr>
   </p:defaultTextStyle>
+  <p:extLst>
+    <p:ext uri="{EFAFB233-063F-42B5-8137-9DF3F51BA10A}">
+      <p15:sldGuideLst xmlns:p15="http://schemas.microsoft.com/office/powerpoint/2012/main">
+        <p15:guide id="1" orient="horz" pos="2160" userDrawn="1">
+          <p15:clr>
+            <a:srgbClr val="A4A3A4"/>
+          </p15:clr>
+        </p15:guide>
+        <p15:guide id="2" pos="3840" userDrawn="1">
+          <p15:clr>
+            <a:srgbClr val="A4A3A4"/>
+          </p15:clr>
+        </p15:guide>
+      </p15:sldGuideLst>
+    </p:ext>
+  </p:extLst>
 </p:presentation>
 </file>
 
@@ -129,7 +145,7 @@
       </p:grpSpPr>
       <p:sp>
         <p:nvSpPr>
-          <p:cNvPr id="2" name="Title 1"/>
+          <p:cNvPr id="2" name="標題 1"/>
           <p:cNvSpPr>
             <a:spLocks noGrp="1"/>
           </p:cNvSpPr>
@@ -139,8 +155,8 @@
         </p:nvSpPr>
         <p:spPr>
           <a:xfrm>
-            <a:off x="685800" y="2130425"/>
-            <a:ext cx="7772400" cy="1470025"/>
+            <a:off x="914400" y="2130426"/>
+            <a:ext cx="10363200" cy="1470025"/>
           </a:xfrm>
         </p:spPr>
         <p:txBody>
@@ -148,16 +164,16 @@
           <a:lstStyle/>
           <a:p>
             <a:r>
-              <a:rPr lang="zh-TW" altLang="en-US" smtClean="0"/>
-              <a:t>按一下以編輯母片標題樣式</a:t>
-            </a:r>
-            <a:endParaRPr lang="en-US"/>
-          </a:p>
-        </p:txBody>
-      </p:sp>
-      <p:sp>
-        <p:nvSpPr>
-          <p:cNvPr id="3" name="Subtitle 2"/>
+              <a:rPr lang="en-US" altLang="zh-TW" smtClean="0"/>
+              <a:t>Click to edit Master title style</a:t>
+            </a:r>
+            <a:endParaRPr lang="zh-TW" altLang="en-US"/>
+          </a:p>
+        </p:txBody>
+      </p:sp>
+      <p:sp>
+        <p:nvSpPr>
+          <p:cNvPr id="3" name="副標題 2"/>
           <p:cNvSpPr>
             <a:spLocks noGrp="1"/>
           </p:cNvSpPr>
@@ -167,8 +183,8 @@
         </p:nvSpPr>
         <p:spPr>
           <a:xfrm>
-            <a:off x="1371600" y="3886200"/>
-            <a:ext cx="6400800" cy="1752600"/>
+            <a:off x="1828800" y="3886200"/>
+            <a:ext cx="8534400" cy="1752600"/>
           </a:xfrm>
         </p:spPr>
         <p:txBody>
@@ -267,16 +283,16 @@
           </a:lstStyle>
           <a:p>
             <a:r>
-              <a:rPr lang="zh-TW" altLang="en-US" smtClean="0"/>
-              <a:t>按一下以編輯母片副標題樣式</a:t>
-            </a:r>
-            <a:endParaRPr lang="en-US"/>
-          </a:p>
-        </p:txBody>
-      </p:sp>
-      <p:sp>
-        <p:nvSpPr>
-          <p:cNvPr id="4" name="Date Placeholder 3"/>
+              <a:rPr lang="en-US" altLang="zh-TW" smtClean="0"/>
+              <a:t>Click to edit Master subtitle style</a:t>
+            </a:r>
+            <a:endParaRPr lang="zh-TW" altLang="en-US"/>
+          </a:p>
+        </p:txBody>
+      </p:sp>
+      <p:sp>
+        <p:nvSpPr>
+          <p:cNvPr id="4" name="日期版面配置區 3"/>
           <p:cNvSpPr>
             <a:spLocks noGrp="1"/>
           </p:cNvSpPr>
@@ -287,16 +303,12 @@
         <p:spPr/>
         <p:txBody>
           <a:bodyPr/>
-          <a:lstStyle>
-            <a:lvl1pPr>
-              <a:defRPr/>
-            </a:lvl1pPr>
-          </a:lstStyle>
+          <a:lstStyle/>
           <a:p>
             <a:fld id="{C3429DEB-D8F4-4865-8CDF-5DC36D22279F}" type="datetimeFigureOut">
               <a:rPr lang="zh-TW" altLang="en-US" smtClean="0"/>
               <a:pPr/>
-              <a:t>2018/3/1</a:t>
+              <a:t>2019/12/13</a:t>
             </a:fld>
             <a:endParaRPr lang="zh-TW" altLang="en-US"/>
           </a:p>
@@ -304,7 +316,7 @@
       </p:sp>
       <p:sp>
         <p:nvSpPr>
-          <p:cNvPr id="5" name="Footer Placeholder 4"/>
+          <p:cNvPr id="5" name="頁尾版面配置區 4"/>
           <p:cNvSpPr>
             <a:spLocks noGrp="1"/>
           </p:cNvSpPr>
@@ -315,19 +327,15 @@
         <p:spPr/>
         <p:txBody>
           <a:bodyPr/>
-          <a:lstStyle>
-            <a:lvl1pPr>
-              <a:defRPr/>
-            </a:lvl1pPr>
-          </a:lstStyle>
-          <a:p>
-            <a:endParaRPr lang="zh-TW" altLang="en-US"/>
-          </a:p>
-        </p:txBody>
-      </p:sp>
-      <p:sp>
-        <p:nvSpPr>
-          <p:cNvPr id="6" name="Slide Number Placeholder 5"/>
+          <a:lstStyle/>
+          <a:p>
+            <a:endParaRPr lang="zh-TW" altLang="en-US"/>
+          </a:p>
+        </p:txBody>
+      </p:sp>
+      <p:sp>
+        <p:nvSpPr>
+          <p:cNvPr id="6" name="投影片編號版面配置區 5"/>
           <p:cNvSpPr>
             <a:spLocks noGrp="1"/>
           </p:cNvSpPr>
@@ -338,11 +346,7 @@
         <p:spPr/>
         <p:txBody>
           <a:bodyPr/>
-          <a:lstStyle>
-            <a:lvl1pPr>
-              <a:defRPr/>
-            </a:lvl1pPr>
-          </a:lstStyle>
+          <a:lstStyle/>
           <a:p>
             <a:fld id="{727BE1A1-4F12-4113-B9D6-A313469115A9}" type="slidenum">
               <a:rPr lang="zh-TW" altLang="en-US" smtClean="0"/>
@@ -354,6 +358,11 @@
         </p:txBody>
       </p:sp>
     </p:spTree>
+    <p:extLst>
+      <p:ext uri="{BB962C8B-B14F-4D97-AF65-F5344CB8AC3E}">
+        <p14:creationId xmlns:p14="http://schemas.microsoft.com/office/powerpoint/2010/main" val="1798654992"/>
+      </p:ext>
+    </p:extLst>
   </p:cSld>
   <p:clrMapOvr>
     <a:masterClrMapping/>
@@ -380,7 +389,7 @@
       </p:grpSpPr>
       <p:sp>
         <p:nvSpPr>
-          <p:cNvPr id="2" name="Title 1"/>
+          <p:cNvPr id="2" name="標題 1"/>
           <p:cNvSpPr>
             <a:spLocks noGrp="1"/>
           </p:cNvSpPr>
@@ -394,16 +403,16 @@
           <a:lstStyle/>
           <a:p>
             <a:r>
-              <a:rPr lang="zh-TW" altLang="en-US" smtClean="0"/>
-              <a:t>按一下以編輯母片標題樣式</a:t>
-            </a:r>
-            <a:endParaRPr lang="en-US"/>
-          </a:p>
-        </p:txBody>
-      </p:sp>
-      <p:sp>
-        <p:nvSpPr>
-          <p:cNvPr id="3" name="Vertical Text Placeholder 2"/>
+              <a:rPr lang="en-US" altLang="zh-TW" smtClean="0"/>
+              <a:t>Click to edit Master title style</a:t>
+            </a:r>
+            <a:endParaRPr lang="zh-TW" altLang="en-US"/>
+          </a:p>
+        </p:txBody>
+      </p:sp>
+      <p:sp>
+        <p:nvSpPr>
+          <p:cNvPr id="3" name="直排文字版面配置區 2"/>
           <p:cNvSpPr>
             <a:spLocks noGrp="1"/>
           </p:cNvSpPr>
@@ -418,44 +427,44 @@
           <a:p>
             <a:pPr lvl="0"/>
             <a:r>
-              <a:rPr lang="zh-TW" altLang="en-US" smtClean="0"/>
-              <a:t>按一下以編輯母片文字樣式</a:t>
+              <a:rPr lang="en-US" altLang="zh-TW" smtClean="0"/>
+              <a:t>Edit Master text styles</a:t>
             </a:r>
           </a:p>
           <a:p>
             <a:pPr lvl="1"/>
             <a:r>
-              <a:rPr lang="zh-TW" altLang="en-US" smtClean="0"/>
-              <a:t>第二層</a:t>
+              <a:rPr lang="en-US" altLang="zh-TW" smtClean="0"/>
+              <a:t>Second level</a:t>
             </a:r>
           </a:p>
           <a:p>
             <a:pPr lvl="2"/>
             <a:r>
-              <a:rPr lang="zh-TW" altLang="en-US" smtClean="0"/>
-              <a:t>第三層</a:t>
+              <a:rPr lang="en-US" altLang="zh-TW" smtClean="0"/>
+              <a:t>Third level</a:t>
             </a:r>
           </a:p>
           <a:p>
             <a:pPr lvl="3"/>
             <a:r>
-              <a:rPr lang="zh-TW" altLang="en-US" smtClean="0"/>
-              <a:t>第四層</a:t>
+              <a:rPr lang="en-US" altLang="zh-TW" smtClean="0"/>
+              <a:t>Fourth level</a:t>
             </a:r>
           </a:p>
           <a:p>
             <a:pPr lvl="4"/>
             <a:r>
-              <a:rPr lang="zh-TW" altLang="en-US" smtClean="0"/>
-              <a:t>第五層</a:t>
-            </a:r>
-            <a:endParaRPr lang="en-US"/>
-          </a:p>
-        </p:txBody>
-      </p:sp>
-      <p:sp>
-        <p:nvSpPr>
-          <p:cNvPr id="4" name="Date Placeholder 3"/>
+              <a:rPr lang="en-US" altLang="zh-TW" smtClean="0"/>
+              <a:t>Fifth level</a:t>
+            </a:r>
+            <a:endParaRPr lang="zh-TW" altLang="en-US"/>
+          </a:p>
+        </p:txBody>
+      </p:sp>
+      <p:sp>
+        <p:nvSpPr>
+          <p:cNvPr id="4" name="日期版面配置區 3"/>
           <p:cNvSpPr>
             <a:spLocks noGrp="1"/>
           </p:cNvSpPr>
@@ -466,16 +475,12 @@
         <p:spPr/>
         <p:txBody>
           <a:bodyPr/>
-          <a:lstStyle>
-            <a:lvl1pPr>
-              <a:defRPr/>
-            </a:lvl1pPr>
-          </a:lstStyle>
+          <a:lstStyle/>
           <a:p>
             <a:fld id="{C3429DEB-D8F4-4865-8CDF-5DC36D22279F}" type="datetimeFigureOut">
               <a:rPr lang="zh-TW" altLang="en-US" smtClean="0"/>
               <a:pPr/>
-              <a:t>2018/3/1</a:t>
+              <a:t>2019/12/13</a:t>
             </a:fld>
             <a:endParaRPr lang="zh-TW" altLang="en-US"/>
           </a:p>
@@ -483,7 +488,7 @@
       </p:sp>
       <p:sp>
         <p:nvSpPr>
-          <p:cNvPr id="5" name="Footer Placeholder 4"/>
+          <p:cNvPr id="5" name="頁尾版面配置區 4"/>
           <p:cNvSpPr>
             <a:spLocks noGrp="1"/>
           </p:cNvSpPr>
@@ -494,19 +499,15 @@
         <p:spPr/>
         <p:txBody>
           <a:bodyPr/>
-          <a:lstStyle>
-            <a:lvl1pPr>
-              <a:defRPr/>
-            </a:lvl1pPr>
-          </a:lstStyle>
-          <a:p>
-            <a:endParaRPr lang="zh-TW" altLang="en-US"/>
-          </a:p>
-        </p:txBody>
-      </p:sp>
-      <p:sp>
-        <p:nvSpPr>
-          <p:cNvPr id="6" name="Slide Number Placeholder 5"/>
+          <a:lstStyle/>
+          <a:p>
+            <a:endParaRPr lang="zh-TW" altLang="en-US"/>
+          </a:p>
+        </p:txBody>
+      </p:sp>
+      <p:sp>
+        <p:nvSpPr>
+          <p:cNvPr id="6" name="投影片編號版面配置區 5"/>
           <p:cNvSpPr>
             <a:spLocks noGrp="1"/>
           </p:cNvSpPr>
@@ -517,11 +518,7 @@
         <p:spPr/>
         <p:txBody>
           <a:bodyPr/>
-          <a:lstStyle>
-            <a:lvl1pPr>
-              <a:defRPr/>
-            </a:lvl1pPr>
-          </a:lstStyle>
+          <a:lstStyle/>
           <a:p>
             <a:fld id="{727BE1A1-4F12-4113-B9D6-A313469115A9}" type="slidenum">
               <a:rPr lang="zh-TW" altLang="en-US" smtClean="0"/>
@@ -533,6 +530,11 @@
         </p:txBody>
       </p:sp>
     </p:spTree>
+    <p:extLst>
+      <p:ext uri="{BB962C8B-B14F-4D97-AF65-F5344CB8AC3E}">
+        <p14:creationId xmlns:p14="http://schemas.microsoft.com/office/powerpoint/2010/main" val="310753599"/>
+      </p:ext>
+    </p:extLst>
   </p:cSld>
   <p:clrMapOvr>
     <a:masterClrMapping/>
@@ -559,7 +561,7 @@
       </p:grpSpPr>
       <p:sp>
         <p:nvSpPr>
-          <p:cNvPr id="2" name="Vertical Title 1"/>
+          <p:cNvPr id="2" name="直排標題 1"/>
           <p:cNvSpPr>
             <a:spLocks noGrp="1"/>
           </p:cNvSpPr>
@@ -569,8 +571,8 @@
         </p:nvSpPr>
         <p:spPr>
           <a:xfrm>
-            <a:off x="6629400" y="274638"/>
-            <a:ext cx="2057400" cy="5851525"/>
+            <a:off x="8839200" y="274639"/>
+            <a:ext cx="2743200" cy="5851525"/>
           </a:xfrm>
         </p:spPr>
         <p:txBody>
@@ -578,16 +580,16 @@
           <a:lstStyle/>
           <a:p>
             <a:r>
-              <a:rPr lang="zh-TW" altLang="en-US" smtClean="0"/>
-              <a:t>按一下以編輯母片標題樣式</a:t>
-            </a:r>
-            <a:endParaRPr lang="en-US"/>
-          </a:p>
-        </p:txBody>
-      </p:sp>
-      <p:sp>
-        <p:nvSpPr>
-          <p:cNvPr id="3" name="Vertical Text Placeholder 2"/>
+              <a:rPr lang="en-US" altLang="zh-TW" smtClean="0"/>
+              <a:t>Click to edit Master title style</a:t>
+            </a:r>
+            <a:endParaRPr lang="zh-TW" altLang="en-US"/>
+          </a:p>
+        </p:txBody>
+      </p:sp>
+      <p:sp>
+        <p:nvSpPr>
+          <p:cNvPr id="3" name="直排文字版面配置區 2"/>
           <p:cNvSpPr>
             <a:spLocks noGrp="1"/>
           </p:cNvSpPr>
@@ -597,8 +599,8 @@
         </p:nvSpPr>
         <p:spPr>
           <a:xfrm>
-            <a:off x="457200" y="274638"/>
-            <a:ext cx="6019800" cy="5851525"/>
+            <a:off x="609600" y="274639"/>
+            <a:ext cx="8026400" cy="5851525"/>
           </a:xfrm>
         </p:spPr>
         <p:txBody>
@@ -607,44 +609,44 @@
           <a:p>
             <a:pPr lvl="0"/>
             <a:r>
-              <a:rPr lang="zh-TW" altLang="en-US" smtClean="0"/>
-              <a:t>按一下以編輯母片文字樣式</a:t>
+              <a:rPr lang="en-US" altLang="zh-TW" smtClean="0"/>
+              <a:t>Edit Master text styles</a:t>
             </a:r>
           </a:p>
           <a:p>
             <a:pPr lvl="1"/>
             <a:r>
-              <a:rPr lang="zh-TW" altLang="en-US" smtClean="0"/>
-              <a:t>第二層</a:t>
+              <a:rPr lang="en-US" altLang="zh-TW" smtClean="0"/>
+              <a:t>Second level</a:t>
             </a:r>
           </a:p>
           <a:p>
             <a:pPr lvl="2"/>
             <a:r>
-              <a:rPr lang="zh-TW" altLang="en-US" smtClean="0"/>
-              <a:t>第三層</a:t>
+              <a:rPr lang="en-US" altLang="zh-TW" smtClean="0"/>
+              <a:t>Third level</a:t>
             </a:r>
           </a:p>
           <a:p>
             <a:pPr lvl="3"/>
             <a:r>
-              <a:rPr lang="zh-TW" altLang="en-US" smtClean="0"/>
-              <a:t>第四層</a:t>
+              <a:rPr lang="en-US" altLang="zh-TW" smtClean="0"/>
+              <a:t>Fourth level</a:t>
             </a:r>
           </a:p>
           <a:p>
             <a:pPr lvl="4"/>
             <a:r>
-              <a:rPr lang="zh-TW" altLang="en-US" smtClean="0"/>
-              <a:t>第五層</a:t>
-            </a:r>
-            <a:endParaRPr lang="en-US"/>
-          </a:p>
-        </p:txBody>
-      </p:sp>
-      <p:sp>
-        <p:nvSpPr>
-          <p:cNvPr id="4" name="Date Placeholder 3"/>
+              <a:rPr lang="en-US" altLang="zh-TW" smtClean="0"/>
+              <a:t>Fifth level</a:t>
+            </a:r>
+            <a:endParaRPr lang="zh-TW" altLang="en-US"/>
+          </a:p>
+        </p:txBody>
+      </p:sp>
+      <p:sp>
+        <p:nvSpPr>
+          <p:cNvPr id="4" name="日期版面配置區 3"/>
           <p:cNvSpPr>
             <a:spLocks noGrp="1"/>
           </p:cNvSpPr>
@@ -655,16 +657,12 @@
         <p:spPr/>
         <p:txBody>
           <a:bodyPr/>
-          <a:lstStyle>
-            <a:lvl1pPr>
-              <a:defRPr/>
-            </a:lvl1pPr>
-          </a:lstStyle>
+          <a:lstStyle/>
           <a:p>
             <a:fld id="{C3429DEB-D8F4-4865-8CDF-5DC36D22279F}" type="datetimeFigureOut">
               <a:rPr lang="zh-TW" altLang="en-US" smtClean="0"/>
               <a:pPr/>
-              <a:t>2018/3/1</a:t>
+              <a:t>2019/12/13</a:t>
             </a:fld>
             <a:endParaRPr lang="zh-TW" altLang="en-US"/>
           </a:p>
@@ -672,7 +670,7 @@
       </p:sp>
       <p:sp>
         <p:nvSpPr>
-          <p:cNvPr id="5" name="Footer Placeholder 4"/>
+          <p:cNvPr id="5" name="頁尾版面配置區 4"/>
           <p:cNvSpPr>
             <a:spLocks noGrp="1"/>
           </p:cNvSpPr>
@@ -683,19 +681,15 @@
         <p:spPr/>
         <p:txBody>
           <a:bodyPr/>
-          <a:lstStyle>
-            <a:lvl1pPr>
-              <a:defRPr/>
-            </a:lvl1pPr>
-          </a:lstStyle>
-          <a:p>
-            <a:endParaRPr lang="zh-TW" altLang="en-US"/>
-          </a:p>
-        </p:txBody>
-      </p:sp>
-      <p:sp>
-        <p:nvSpPr>
-          <p:cNvPr id="6" name="Slide Number Placeholder 5"/>
+          <a:lstStyle/>
+          <a:p>
+            <a:endParaRPr lang="zh-TW" altLang="en-US"/>
+          </a:p>
+        </p:txBody>
+      </p:sp>
+      <p:sp>
+        <p:nvSpPr>
+          <p:cNvPr id="6" name="投影片編號版面配置區 5"/>
           <p:cNvSpPr>
             <a:spLocks noGrp="1"/>
           </p:cNvSpPr>
@@ -706,11 +700,7 @@
         <p:spPr/>
         <p:txBody>
           <a:bodyPr/>
-          <a:lstStyle>
-            <a:lvl1pPr>
-              <a:defRPr/>
-            </a:lvl1pPr>
-          </a:lstStyle>
+          <a:lstStyle/>
           <a:p>
             <a:fld id="{727BE1A1-4F12-4113-B9D6-A313469115A9}" type="slidenum">
               <a:rPr lang="zh-TW" altLang="en-US" smtClean="0"/>
@@ -722,6 +712,11 @@
         </p:txBody>
       </p:sp>
     </p:spTree>
+    <p:extLst>
+      <p:ext uri="{BB962C8B-B14F-4D97-AF65-F5344CB8AC3E}">
+        <p14:creationId xmlns:p14="http://schemas.microsoft.com/office/powerpoint/2010/main" val="2439585622"/>
+      </p:ext>
+    </p:extLst>
   </p:cSld>
   <p:clrMapOvr>
     <a:masterClrMapping/>
@@ -748,7 +743,7 @@
       </p:grpSpPr>
       <p:sp>
         <p:nvSpPr>
-          <p:cNvPr id="2" name="Title 1"/>
+          <p:cNvPr id="2" name="標題 1"/>
           <p:cNvSpPr>
             <a:spLocks noGrp="1"/>
           </p:cNvSpPr>
@@ -762,16 +757,16 @@
           <a:lstStyle/>
           <a:p>
             <a:r>
-              <a:rPr lang="zh-TW" altLang="en-US" smtClean="0"/>
-              <a:t>按一下以編輯母片標題樣式</a:t>
-            </a:r>
-            <a:endParaRPr lang="en-US"/>
-          </a:p>
-        </p:txBody>
-      </p:sp>
-      <p:sp>
-        <p:nvSpPr>
-          <p:cNvPr id="3" name="Content Placeholder 2"/>
+              <a:rPr lang="en-US" altLang="zh-TW" smtClean="0"/>
+              <a:t>Click to edit Master title style</a:t>
+            </a:r>
+            <a:endParaRPr lang="zh-TW" altLang="en-US"/>
+          </a:p>
+        </p:txBody>
+      </p:sp>
+      <p:sp>
+        <p:nvSpPr>
+          <p:cNvPr id="3" name="內容版面配置區 2"/>
           <p:cNvSpPr>
             <a:spLocks noGrp="1"/>
           </p:cNvSpPr>
@@ -786,44 +781,44 @@
           <a:p>
             <a:pPr lvl="0"/>
             <a:r>
-              <a:rPr lang="zh-TW" altLang="en-US" smtClean="0"/>
-              <a:t>按一下以編輯母片文字樣式</a:t>
+              <a:rPr lang="en-US" altLang="zh-TW" smtClean="0"/>
+              <a:t>Edit Master text styles</a:t>
             </a:r>
           </a:p>
           <a:p>
             <a:pPr lvl="1"/>
             <a:r>
-              <a:rPr lang="zh-TW" altLang="en-US" smtClean="0"/>
-              <a:t>第二層</a:t>
+              <a:rPr lang="en-US" altLang="zh-TW" smtClean="0"/>
+              <a:t>Second level</a:t>
             </a:r>
           </a:p>
           <a:p>
             <a:pPr lvl="2"/>
             <a:r>
-              <a:rPr lang="zh-TW" altLang="en-US" smtClean="0"/>
-              <a:t>第三層</a:t>
+              <a:rPr lang="en-US" altLang="zh-TW" smtClean="0"/>
+              <a:t>Third level</a:t>
             </a:r>
           </a:p>
           <a:p>
             <a:pPr lvl="3"/>
             <a:r>
-              <a:rPr lang="zh-TW" altLang="en-US" smtClean="0"/>
-              <a:t>第四層</a:t>
+              <a:rPr lang="en-US" altLang="zh-TW" smtClean="0"/>
+              <a:t>Fourth level</a:t>
             </a:r>
           </a:p>
           <a:p>
             <a:pPr lvl="4"/>
             <a:r>
-              <a:rPr lang="zh-TW" altLang="en-US" smtClean="0"/>
-              <a:t>第五層</a:t>
-            </a:r>
-            <a:endParaRPr lang="en-US"/>
-          </a:p>
-        </p:txBody>
-      </p:sp>
-      <p:sp>
-        <p:nvSpPr>
-          <p:cNvPr id="4" name="Date Placeholder 3"/>
+              <a:rPr lang="en-US" altLang="zh-TW" smtClean="0"/>
+              <a:t>Fifth level</a:t>
+            </a:r>
+            <a:endParaRPr lang="zh-TW" altLang="en-US"/>
+          </a:p>
+        </p:txBody>
+      </p:sp>
+      <p:sp>
+        <p:nvSpPr>
+          <p:cNvPr id="4" name="日期版面配置區 3"/>
           <p:cNvSpPr>
             <a:spLocks noGrp="1"/>
           </p:cNvSpPr>
@@ -834,16 +829,12 @@
         <p:spPr/>
         <p:txBody>
           <a:bodyPr/>
-          <a:lstStyle>
-            <a:lvl1pPr>
-              <a:defRPr/>
-            </a:lvl1pPr>
-          </a:lstStyle>
+          <a:lstStyle/>
           <a:p>
             <a:fld id="{C3429DEB-D8F4-4865-8CDF-5DC36D22279F}" type="datetimeFigureOut">
               <a:rPr lang="zh-TW" altLang="en-US" smtClean="0"/>
               <a:pPr/>
-              <a:t>2018/3/1</a:t>
+              <a:t>2019/12/13</a:t>
             </a:fld>
             <a:endParaRPr lang="zh-TW" altLang="en-US"/>
           </a:p>
@@ -851,7 +842,7 @@
       </p:sp>
       <p:sp>
         <p:nvSpPr>
-          <p:cNvPr id="5" name="Footer Placeholder 4"/>
+          <p:cNvPr id="5" name="頁尾版面配置區 4"/>
           <p:cNvSpPr>
             <a:spLocks noGrp="1"/>
           </p:cNvSpPr>
@@ -862,19 +853,15 @@
         <p:spPr/>
         <p:txBody>
           <a:bodyPr/>
-          <a:lstStyle>
-            <a:lvl1pPr>
-              <a:defRPr/>
-            </a:lvl1pPr>
-          </a:lstStyle>
-          <a:p>
-            <a:endParaRPr lang="zh-TW" altLang="en-US"/>
-          </a:p>
-        </p:txBody>
-      </p:sp>
-      <p:sp>
-        <p:nvSpPr>
-          <p:cNvPr id="6" name="Slide Number Placeholder 5"/>
+          <a:lstStyle/>
+          <a:p>
+            <a:endParaRPr lang="zh-TW" altLang="en-US"/>
+          </a:p>
+        </p:txBody>
+      </p:sp>
+      <p:sp>
+        <p:nvSpPr>
+          <p:cNvPr id="6" name="投影片編號版面配置區 5"/>
           <p:cNvSpPr>
             <a:spLocks noGrp="1"/>
           </p:cNvSpPr>
@@ -885,11 +872,7 @@
         <p:spPr/>
         <p:txBody>
           <a:bodyPr/>
-          <a:lstStyle>
-            <a:lvl1pPr>
-              <a:defRPr/>
-            </a:lvl1pPr>
-          </a:lstStyle>
+          <a:lstStyle/>
           <a:p>
             <a:fld id="{727BE1A1-4F12-4113-B9D6-A313469115A9}" type="slidenum">
               <a:rPr lang="zh-TW" altLang="en-US" smtClean="0"/>
@@ -901,6 +884,11 @@
         </p:txBody>
       </p:sp>
     </p:spTree>
+    <p:extLst>
+      <p:ext uri="{BB962C8B-B14F-4D97-AF65-F5344CB8AC3E}">
+        <p14:creationId xmlns:p14="http://schemas.microsoft.com/office/powerpoint/2010/main" val="2900854001"/>
+      </p:ext>
+    </p:extLst>
   </p:cSld>
   <p:clrMapOvr>
     <a:masterClrMapping/>
@@ -927,7 +915,7 @@
       </p:grpSpPr>
       <p:sp>
         <p:nvSpPr>
-          <p:cNvPr id="2" name="Title 1"/>
+          <p:cNvPr id="2" name="標題 1"/>
           <p:cNvSpPr>
             <a:spLocks noGrp="1"/>
           </p:cNvSpPr>
@@ -937,8 +925,8 @@
         </p:nvSpPr>
         <p:spPr>
           <a:xfrm>
-            <a:off x="722313" y="4406900"/>
-            <a:ext cx="7772400" cy="1362075"/>
+            <a:off x="963084" y="4406901"/>
+            <a:ext cx="10363200" cy="1362075"/>
           </a:xfrm>
         </p:spPr>
         <p:txBody>
@@ -950,16 +938,16 @@
           </a:lstStyle>
           <a:p>
             <a:r>
-              <a:rPr lang="zh-TW" altLang="en-US" smtClean="0"/>
-              <a:t>按一下以編輯母片標題樣式</a:t>
-            </a:r>
-            <a:endParaRPr lang="en-US"/>
-          </a:p>
-        </p:txBody>
-      </p:sp>
-      <p:sp>
-        <p:nvSpPr>
-          <p:cNvPr id="3" name="Text Placeholder 2"/>
+              <a:rPr lang="en-US" altLang="zh-TW" smtClean="0"/>
+              <a:t>Click to edit Master title style</a:t>
+            </a:r>
+            <a:endParaRPr lang="zh-TW" altLang="en-US"/>
+          </a:p>
+        </p:txBody>
+      </p:sp>
+      <p:sp>
+        <p:nvSpPr>
+          <p:cNvPr id="3" name="文字版面配置區 2"/>
           <p:cNvSpPr>
             <a:spLocks noGrp="1"/>
           </p:cNvSpPr>
@@ -969,8 +957,8 @@
         </p:nvSpPr>
         <p:spPr>
           <a:xfrm>
-            <a:off x="722313" y="2906713"/>
-            <a:ext cx="7772400" cy="1500187"/>
+            <a:off x="963084" y="2906713"/>
+            <a:ext cx="10363200" cy="1500187"/>
           </a:xfrm>
         </p:spPr>
         <p:txBody>
@@ -1070,15 +1058,15 @@
           <a:p>
             <a:pPr lvl="0"/>
             <a:r>
-              <a:rPr lang="zh-TW" altLang="en-US" smtClean="0"/>
-              <a:t>按一下以編輯母片文字樣式</a:t>
-            </a:r>
-          </a:p>
-        </p:txBody>
-      </p:sp>
-      <p:sp>
-        <p:nvSpPr>
-          <p:cNvPr id="4" name="Date Placeholder 3"/>
+              <a:rPr lang="en-US" altLang="zh-TW" smtClean="0"/>
+              <a:t>Edit Master text styles</a:t>
+            </a:r>
+          </a:p>
+        </p:txBody>
+      </p:sp>
+      <p:sp>
+        <p:nvSpPr>
+          <p:cNvPr id="4" name="日期版面配置區 3"/>
           <p:cNvSpPr>
             <a:spLocks noGrp="1"/>
           </p:cNvSpPr>
@@ -1089,16 +1077,12 @@
         <p:spPr/>
         <p:txBody>
           <a:bodyPr/>
-          <a:lstStyle>
-            <a:lvl1pPr>
-              <a:defRPr/>
-            </a:lvl1pPr>
-          </a:lstStyle>
+          <a:lstStyle/>
           <a:p>
             <a:fld id="{C3429DEB-D8F4-4865-8CDF-5DC36D22279F}" type="datetimeFigureOut">
               <a:rPr lang="zh-TW" altLang="en-US" smtClean="0"/>
               <a:pPr/>
-              <a:t>2018/3/1</a:t>
+              <a:t>2019/12/13</a:t>
             </a:fld>
             <a:endParaRPr lang="zh-TW" altLang="en-US"/>
           </a:p>
@@ -1106,7 +1090,7 @@
       </p:sp>
       <p:sp>
         <p:nvSpPr>
-          <p:cNvPr id="5" name="Footer Placeholder 4"/>
+          <p:cNvPr id="5" name="頁尾版面配置區 4"/>
           <p:cNvSpPr>
             <a:spLocks noGrp="1"/>
           </p:cNvSpPr>
@@ -1117,19 +1101,15 @@
         <p:spPr/>
         <p:txBody>
           <a:bodyPr/>
-          <a:lstStyle>
-            <a:lvl1pPr>
-              <a:defRPr/>
-            </a:lvl1pPr>
-          </a:lstStyle>
-          <a:p>
-            <a:endParaRPr lang="zh-TW" altLang="en-US"/>
-          </a:p>
-        </p:txBody>
-      </p:sp>
-      <p:sp>
-        <p:nvSpPr>
-          <p:cNvPr id="6" name="Slide Number Placeholder 5"/>
+          <a:lstStyle/>
+          <a:p>
+            <a:endParaRPr lang="zh-TW" altLang="en-US"/>
+          </a:p>
+        </p:txBody>
+      </p:sp>
+      <p:sp>
+        <p:nvSpPr>
+          <p:cNvPr id="6" name="投影片編號版面配置區 5"/>
           <p:cNvSpPr>
             <a:spLocks noGrp="1"/>
           </p:cNvSpPr>
@@ -1140,11 +1120,7 @@
         <p:spPr/>
         <p:txBody>
           <a:bodyPr/>
-          <a:lstStyle>
-            <a:lvl1pPr>
-              <a:defRPr/>
-            </a:lvl1pPr>
-          </a:lstStyle>
+          <a:lstStyle/>
           <a:p>
             <a:fld id="{727BE1A1-4F12-4113-B9D6-A313469115A9}" type="slidenum">
               <a:rPr lang="zh-TW" altLang="en-US" smtClean="0"/>
@@ -1156,6 +1132,11 @@
         </p:txBody>
       </p:sp>
     </p:spTree>
+    <p:extLst>
+      <p:ext uri="{BB962C8B-B14F-4D97-AF65-F5344CB8AC3E}">
+        <p14:creationId xmlns:p14="http://schemas.microsoft.com/office/powerpoint/2010/main" val="3073696683"/>
+      </p:ext>
+    </p:extLst>
   </p:cSld>
   <p:clrMapOvr>
     <a:masterClrMapping/>
@@ -1182,7 +1163,7 @@
       </p:grpSpPr>
       <p:sp>
         <p:nvSpPr>
-          <p:cNvPr id="2" name="Title 1"/>
+          <p:cNvPr id="2" name="標題 1"/>
           <p:cNvSpPr>
             <a:spLocks noGrp="1"/>
           </p:cNvSpPr>
@@ -1196,16 +1177,16 @@
           <a:lstStyle/>
           <a:p>
             <a:r>
-              <a:rPr lang="zh-TW" altLang="en-US" smtClean="0"/>
-              <a:t>按一下以編輯母片標題樣式</a:t>
-            </a:r>
-            <a:endParaRPr lang="en-US"/>
-          </a:p>
-        </p:txBody>
-      </p:sp>
-      <p:sp>
-        <p:nvSpPr>
-          <p:cNvPr id="3" name="Content Placeholder 2"/>
+              <a:rPr lang="en-US" altLang="zh-TW" smtClean="0"/>
+              <a:t>Click to edit Master title style</a:t>
+            </a:r>
+            <a:endParaRPr lang="zh-TW" altLang="en-US"/>
+          </a:p>
+        </p:txBody>
+      </p:sp>
+      <p:sp>
+        <p:nvSpPr>
+          <p:cNvPr id="3" name="內容版面配置區 2"/>
           <p:cNvSpPr>
             <a:spLocks noGrp="1"/>
           </p:cNvSpPr>
@@ -1215,8 +1196,8 @@
         </p:nvSpPr>
         <p:spPr>
           <a:xfrm>
-            <a:off x="457200" y="1600200"/>
-            <a:ext cx="4038600" cy="4525963"/>
+            <a:off x="609600" y="1600201"/>
+            <a:ext cx="5384800" cy="4525963"/>
           </a:xfrm>
         </p:spPr>
         <p:txBody>
@@ -1253,44 +1234,44 @@
           <a:p>
             <a:pPr lvl="0"/>
             <a:r>
-              <a:rPr lang="zh-TW" altLang="en-US" smtClean="0"/>
-              <a:t>按一下以編輯母片文字樣式</a:t>
+              <a:rPr lang="en-US" altLang="zh-TW" smtClean="0"/>
+              <a:t>Edit Master text styles</a:t>
             </a:r>
           </a:p>
           <a:p>
             <a:pPr lvl="1"/>
             <a:r>
-              <a:rPr lang="zh-TW" altLang="en-US" smtClean="0"/>
-              <a:t>第二層</a:t>
+              <a:rPr lang="en-US" altLang="zh-TW" smtClean="0"/>
+              <a:t>Second level</a:t>
             </a:r>
           </a:p>
           <a:p>
             <a:pPr lvl="2"/>
             <a:r>
-              <a:rPr lang="zh-TW" altLang="en-US" smtClean="0"/>
-              <a:t>第三層</a:t>
+              <a:rPr lang="en-US" altLang="zh-TW" smtClean="0"/>
+              <a:t>Third level</a:t>
             </a:r>
           </a:p>
           <a:p>
             <a:pPr lvl="3"/>
             <a:r>
-              <a:rPr lang="zh-TW" altLang="en-US" smtClean="0"/>
-              <a:t>第四層</a:t>
+              <a:rPr lang="en-US" altLang="zh-TW" smtClean="0"/>
+              <a:t>Fourth level</a:t>
             </a:r>
           </a:p>
           <a:p>
             <a:pPr lvl="4"/>
             <a:r>
-              <a:rPr lang="zh-TW" altLang="en-US" smtClean="0"/>
-              <a:t>第五層</a:t>
-            </a:r>
-            <a:endParaRPr lang="en-US"/>
-          </a:p>
-        </p:txBody>
-      </p:sp>
-      <p:sp>
-        <p:nvSpPr>
-          <p:cNvPr id="4" name="Content Placeholder 3"/>
+              <a:rPr lang="en-US" altLang="zh-TW" smtClean="0"/>
+              <a:t>Fifth level</a:t>
+            </a:r>
+            <a:endParaRPr lang="zh-TW" altLang="en-US"/>
+          </a:p>
+        </p:txBody>
+      </p:sp>
+      <p:sp>
+        <p:nvSpPr>
+          <p:cNvPr id="4" name="內容版面配置區 3"/>
           <p:cNvSpPr>
             <a:spLocks noGrp="1"/>
           </p:cNvSpPr>
@@ -1300,8 +1281,8 @@
         </p:nvSpPr>
         <p:spPr>
           <a:xfrm>
-            <a:off x="4648200" y="1600200"/>
-            <a:ext cx="4038600" cy="4525963"/>
+            <a:off x="6197600" y="1600201"/>
+            <a:ext cx="5384800" cy="4525963"/>
           </a:xfrm>
         </p:spPr>
         <p:txBody>
@@ -1338,44 +1319,44 @@
           <a:p>
             <a:pPr lvl="0"/>
             <a:r>
-              <a:rPr lang="zh-TW" altLang="en-US" smtClean="0"/>
-              <a:t>按一下以編輯母片文字樣式</a:t>
+              <a:rPr lang="en-US" altLang="zh-TW" smtClean="0"/>
+              <a:t>Edit Master text styles</a:t>
             </a:r>
           </a:p>
           <a:p>
             <a:pPr lvl="1"/>
             <a:r>
-              <a:rPr lang="zh-TW" altLang="en-US" smtClean="0"/>
-              <a:t>第二層</a:t>
+              <a:rPr lang="en-US" altLang="zh-TW" smtClean="0"/>
+              <a:t>Second level</a:t>
             </a:r>
           </a:p>
           <a:p>
             <a:pPr lvl="2"/>
             <a:r>
-              <a:rPr lang="zh-TW" altLang="en-US" smtClean="0"/>
-              <a:t>第三層</a:t>
+              <a:rPr lang="en-US" altLang="zh-TW" smtClean="0"/>
+              <a:t>Third level</a:t>
             </a:r>
           </a:p>
           <a:p>
             <a:pPr lvl="3"/>
             <a:r>
-              <a:rPr lang="zh-TW" altLang="en-US" smtClean="0"/>
-              <a:t>第四層</a:t>
+              <a:rPr lang="en-US" altLang="zh-TW" smtClean="0"/>
+              <a:t>Fourth level</a:t>
             </a:r>
           </a:p>
           <a:p>
             <a:pPr lvl="4"/>
             <a:r>
-              <a:rPr lang="zh-TW" altLang="en-US" smtClean="0"/>
-              <a:t>第五層</a:t>
-            </a:r>
-            <a:endParaRPr lang="en-US"/>
-          </a:p>
-        </p:txBody>
-      </p:sp>
-      <p:sp>
-        <p:nvSpPr>
-          <p:cNvPr id="5" name="Date Placeholder 3"/>
+              <a:rPr lang="en-US" altLang="zh-TW" smtClean="0"/>
+              <a:t>Fifth level</a:t>
+            </a:r>
+            <a:endParaRPr lang="zh-TW" altLang="en-US"/>
+          </a:p>
+        </p:txBody>
+      </p:sp>
+      <p:sp>
+        <p:nvSpPr>
+          <p:cNvPr id="5" name="日期版面配置區 4"/>
           <p:cNvSpPr>
             <a:spLocks noGrp="1"/>
           </p:cNvSpPr>
@@ -1386,16 +1367,12 @@
         <p:spPr/>
         <p:txBody>
           <a:bodyPr/>
-          <a:lstStyle>
-            <a:lvl1pPr>
-              <a:defRPr/>
-            </a:lvl1pPr>
-          </a:lstStyle>
+          <a:lstStyle/>
           <a:p>
             <a:fld id="{C3429DEB-D8F4-4865-8CDF-5DC36D22279F}" type="datetimeFigureOut">
               <a:rPr lang="zh-TW" altLang="en-US" smtClean="0"/>
               <a:pPr/>
-              <a:t>2018/3/1</a:t>
+              <a:t>2019/12/13</a:t>
             </a:fld>
             <a:endParaRPr lang="zh-TW" altLang="en-US"/>
           </a:p>
@@ -1403,7 +1380,7 @@
       </p:sp>
       <p:sp>
         <p:nvSpPr>
-          <p:cNvPr id="6" name="Footer Placeholder 4"/>
+          <p:cNvPr id="6" name="頁尾版面配置區 5"/>
           <p:cNvSpPr>
             <a:spLocks noGrp="1"/>
           </p:cNvSpPr>
@@ -1414,19 +1391,15 @@
         <p:spPr/>
         <p:txBody>
           <a:bodyPr/>
-          <a:lstStyle>
-            <a:lvl1pPr>
-              <a:defRPr/>
-            </a:lvl1pPr>
-          </a:lstStyle>
-          <a:p>
-            <a:endParaRPr lang="zh-TW" altLang="en-US"/>
-          </a:p>
-        </p:txBody>
-      </p:sp>
-      <p:sp>
-        <p:nvSpPr>
-          <p:cNvPr id="7" name="Slide Number Placeholder 5"/>
+          <a:lstStyle/>
+          <a:p>
+            <a:endParaRPr lang="zh-TW" altLang="en-US"/>
+          </a:p>
+        </p:txBody>
+      </p:sp>
+      <p:sp>
+        <p:nvSpPr>
+          <p:cNvPr id="7" name="投影片編號版面配置區 6"/>
           <p:cNvSpPr>
             <a:spLocks noGrp="1"/>
           </p:cNvSpPr>
@@ -1437,11 +1410,7 @@
         <p:spPr/>
         <p:txBody>
           <a:bodyPr/>
-          <a:lstStyle>
-            <a:lvl1pPr>
-              <a:defRPr/>
-            </a:lvl1pPr>
-          </a:lstStyle>
+          <a:lstStyle/>
           <a:p>
             <a:fld id="{727BE1A1-4F12-4113-B9D6-A313469115A9}" type="slidenum">
               <a:rPr lang="zh-TW" altLang="en-US" smtClean="0"/>
@@ -1453,6 +1422,11 @@
         </p:txBody>
       </p:sp>
     </p:spTree>
+    <p:extLst>
+      <p:ext uri="{BB962C8B-B14F-4D97-AF65-F5344CB8AC3E}">
+        <p14:creationId xmlns:p14="http://schemas.microsoft.com/office/powerpoint/2010/main" val="471715773"/>
+      </p:ext>
+    </p:extLst>
   </p:cSld>
   <p:clrMapOvr>
     <a:masterClrMapping/>
@@ -1479,7 +1453,7 @@
       </p:grpSpPr>
       <p:sp>
         <p:nvSpPr>
-          <p:cNvPr id="2" name="Title 1"/>
+          <p:cNvPr id="2" name="標題 1"/>
           <p:cNvSpPr>
             <a:spLocks noGrp="1"/>
           </p:cNvSpPr>
@@ -1497,16 +1471,16 @@
           </a:lstStyle>
           <a:p>
             <a:r>
-              <a:rPr lang="zh-TW" altLang="en-US" smtClean="0"/>
-              <a:t>按一下以編輯母片標題樣式</a:t>
-            </a:r>
-            <a:endParaRPr lang="en-US"/>
-          </a:p>
-        </p:txBody>
-      </p:sp>
-      <p:sp>
-        <p:nvSpPr>
-          <p:cNvPr id="3" name="Text Placeholder 2"/>
+              <a:rPr lang="en-US" altLang="zh-TW" smtClean="0"/>
+              <a:t>Click to edit Master title style</a:t>
+            </a:r>
+            <a:endParaRPr lang="zh-TW" altLang="en-US"/>
+          </a:p>
+        </p:txBody>
+      </p:sp>
+      <p:sp>
+        <p:nvSpPr>
+          <p:cNvPr id="3" name="文字版面配置區 2"/>
           <p:cNvSpPr>
             <a:spLocks noGrp="1"/>
           </p:cNvSpPr>
@@ -1516,8 +1490,8 @@
         </p:nvSpPr>
         <p:spPr>
           <a:xfrm>
-            <a:off x="457200" y="1535113"/>
-            <a:ext cx="4040188" cy="639762"/>
+            <a:off x="609600" y="1535113"/>
+            <a:ext cx="5386917" cy="639762"/>
           </a:xfrm>
         </p:spPr>
         <p:txBody>
@@ -1563,15 +1537,15 @@
           <a:p>
             <a:pPr lvl="0"/>
             <a:r>
-              <a:rPr lang="zh-TW" altLang="en-US" smtClean="0"/>
-              <a:t>按一下以編輯母片文字樣式</a:t>
-            </a:r>
-          </a:p>
-        </p:txBody>
-      </p:sp>
-      <p:sp>
-        <p:nvSpPr>
-          <p:cNvPr id="4" name="Content Placeholder 3"/>
+              <a:rPr lang="en-US" altLang="zh-TW" smtClean="0"/>
+              <a:t>Edit Master text styles</a:t>
+            </a:r>
+          </a:p>
+        </p:txBody>
+      </p:sp>
+      <p:sp>
+        <p:nvSpPr>
+          <p:cNvPr id="4" name="內容版面配置區 3"/>
           <p:cNvSpPr>
             <a:spLocks noGrp="1"/>
           </p:cNvSpPr>
@@ -1581,8 +1555,8 @@
         </p:nvSpPr>
         <p:spPr>
           <a:xfrm>
-            <a:off x="457200" y="2174875"/>
-            <a:ext cx="4040188" cy="3951288"/>
+            <a:off x="609600" y="2174875"/>
+            <a:ext cx="5386917" cy="3951288"/>
           </a:xfrm>
         </p:spPr>
         <p:txBody>
@@ -1619,44 +1593,44 @@
           <a:p>
             <a:pPr lvl="0"/>
             <a:r>
-              <a:rPr lang="zh-TW" altLang="en-US" smtClean="0"/>
-              <a:t>按一下以編輯母片文字樣式</a:t>
+              <a:rPr lang="en-US" altLang="zh-TW" smtClean="0"/>
+              <a:t>Edit Master text styles</a:t>
             </a:r>
           </a:p>
           <a:p>
             <a:pPr lvl="1"/>
             <a:r>
-              <a:rPr lang="zh-TW" altLang="en-US" smtClean="0"/>
-              <a:t>第二層</a:t>
+              <a:rPr lang="en-US" altLang="zh-TW" smtClean="0"/>
+              <a:t>Second level</a:t>
             </a:r>
           </a:p>
           <a:p>
             <a:pPr lvl="2"/>
             <a:r>
-              <a:rPr lang="zh-TW" altLang="en-US" smtClean="0"/>
-              <a:t>第三層</a:t>
+              <a:rPr lang="en-US" altLang="zh-TW" smtClean="0"/>
+              <a:t>Third level</a:t>
             </a:r>
           </a:p>
           <a:p>
             <a:pPr lvl="3"/>
             <a:r>
-              <a:rPr lang="zh-TW" altLang="en-US" smtClean="0"/>
-              <a:t>第四層</a:t>
+              <a:rPr lang="en-US" altLang="zh-TW" smtClean="0"/>
+              <a:t>Fourth level</a:t>
             </a:r>
           </a:p>
           <a:p>
             <a:pPr lvl="4"/>
             <a:r>
-              <a:rPr lang="zh-TW" altLang="en-US" smtClean="0"/>
-              <a:t>第五層</a:t>
-            </a:r>
-            <a:endParaRPr lang="en-US"/>
-          </a:p>
-        </p:txBody>
-      </p:sp>
-      <p:sp>
-        <p:nvSpPr>
-          <p:cNvPr id="5" name="Text Placeholder 4"/>
+              <a:rPr lang="en-US" altLang="zh-TW" smtClean="0"/>
+              <a:t>Fifth level</a:t>
+            </a:r>
+            <a:endParaRPr lang="zh-TW" altLang="en-US"/>
+          </a:p>
+        </p:txBody>
+      </p:sp>
+      <p:sp>
+        <p:nvSpPr>
+          <p:cNvPr id="5" name="文字版面配置區 4"/>
           <p:cNvSpPr>
             <a:spLocks noGrp="1"/>
           </p:cNvSpPr>
@@ -1666,8 +1640,8 @@
         </p:nvSpPr>
         <p:spPr>
           <a:xfrm>
-            <a:off x="4645025" y="1535113"/>
-            <a:ext cx="4041775" cy="639762"/>
+            <a:off x="6193368" y="1535113"/>
+            <a:ext cx="5389033" cy="639762"/>
           </a:xfrm>
         </p:spPr>
         <p:txBody>
@@ -1713,15 +1687,15 @@
           <a:p>
             <a:pPr lvl="0"/>
             <a:r>
-              <a:rPr lang="zh-TW" altLang="en-US" smtClean="0"/>
-              <a:t>按一下以編輯母片文字樣式</a:t>
-            </a:r>
-          </a:p>
-        </p:txBody>
-      </p:sp>
-      <p:sp>
-        <p:nvSpPr>
-          <p:cNvPr id="6" name="Content Placeholder 5"/>
+              <a:rPr lang="en-US" altLang="zh-TW" smtClean="0"/>
+              <a:t>Edit Master text styles</a:t>
+            </a:r>
+          </a:p>
+        </p:txBody>
+      </p:sp>
+      <p:sp>
+        <p:nvSpPr>
+          <p:cNvPr id="6" name="內容版面配置區 5"/>
           <p:cNvSpPr>
             <a:spLocks noGrp="1"/>
           </p:cNvSpPr>
@@ -1731,8 +1705,8 @@
         </p:nvSpPr>
         <p:spPr>
           <a:xfrm>
-            <a:off x="4645025" y="2174875"/>
-            <a:ext cx="4041775" cy="3951288"/>
+            <a:off x="6193368" y="2174875"/>
+            <a:ext cx="5389033" cy="3951288"/>
           </a:xfrm>
         </p:spPr>
         <p:txBody>
@@ -1769,44 +1743,44 @@
           <a:p>
             <a:pPr lvl="0"/>
             <a:r>
-              <a:rPr lang="zh-TW" altLang="en-US" smtClean="0"/>
-              <a:t>按一下以編輯母片文字樣式</a:t>
+              <a:rPr lang="en-US" altLang="zh-TW" smtClean="0"/>
+              <a:t>Edit Master text styles</a:t>
             </a:r>
           </a:p>
           <a:p>
             <a:pPr lvl="1"/>
             <a:r>
-              <a:rPr lang="zh-TW" altLang="en-US" smtClean="0"/>
-              <a:t>第二層</a:t>
+              <a:rPr lang="en-US" altLang="zh-TW" smtClean="0"/>
+              <a:t>Second level</a:t>
             </a:r>
           </a:p>
           <a:p>
             <a:pPr lvl="2"/>
             <a:r>
-              <a:rPr lang="zh-TW" altLang="en-US" smtClean="0"/>
-              <a:t>第三層</a:t>
+              <a:rPr lang="en-US" altLang="zh-TW" smtClean="0"/>
+              <a:t>Third level</a:t>
             </a:r>
           </a:p>
           <a:p>
             <a:pPr lvl="3"/>
             <a:r>
-              <a:rPr lang="zh-TW" altLang="en-US" smtClean="0"/>
-              <a:t>第四層</a:t>
+              <a:rPr lang="en-US" altLang="zh-TW" smtClean="0"/>
+              <a:t>Fourth level</a:t>
             </a:r>
           </a:p>
           <a:p>
             <a:pPr lvl="4"/>
             <a:r>
-              <a:rPr lang="zh-TW" altLang="en-US" smtClean="0"/>
-              <a:t>第五層</a:t>
-            </a:r>
-            <a:endParaRPr lang="en-US"/>
-          </a:p>
-        </p:txBody>
-      </p:sp>
-      <p:sp>
-        <p:nvSpPr>
-          <p:cNvPr id="7" name="Date Placeholder 3"/>
+              <a:rPr lang="en-US" altLang="zh-TW" smtClean="0"/>
+              <a:t>Fifth level</a:t>
+            </a:r>
+            <a:endParaRPr lang="zh-TW" altLang="en-US"/>
+          </a:p>
+        </p:txBody>
+      </p:sp>
+      <p:sp>
+        <p:nvSpPr>
+          <p:cNvPr id="7" name="日期版面配置區 6"/>
           <p:cNvSpPr>
             <a:spLocks noGrp="1"/>
           </p:cNvSpPr>
@@ -1817,16 +1791,12 @@
         <p:spPr/>
         <p:txBody>
           <a:bodyPr/>
-          <a:lstStyle>
-            <a:lvl1pPr>
-              <a:defRPr/>
-            </a:lvl1pPr>
-          </a:lstStyle>
+          <a:lstStyle/>
           <a:p>
             <a:fld id="{C3429DEB-D8F4-4865-8CDF-5DC36D22279F}" type="datetimeFigureOut">
               <a:rPr lang="zh-TW" altLang="en-US" smtClean="0"/>
               <a:pPr/>
-              <a:t>2018/3/1</a:t>
+              <a:t>2019/12/13</a:t>
             </a:fld>
             <a:endParaRPr lang="zh-TW" altLang="en-US"/>
           </a:p>
@@ -1834,7 +1804,7 @@
       </p:sp>
       <p:sp>
         <p:nvSpPr>
-          <p:cNvPr id="8" name="Footer Placeholder 4"/>
+          <p:cNvPr id="8" name="頁尾版面配置區 7"/>
           <p:cNvSpPr>
             <a:spLocks noGrp="1"/>
           </p:cNvSpPr>
@@ -1845,19 +1815,15 @@
         <p:spPr/>
         <p:txBody>
           <a:bodyPr/>
-          <a:lstStyle>
-            <a:lvl1pPr>
-              <a:defRPr/>
-            </a:lvl1pPr>
-          </a:lstStyle>
-          <a:p>
-            <a:endParaRPr lang="zh-TW" altLang="en-US"/>
-          </a:p>
-        </p:txBody>
-      </p:sp>
-      <p:sp>
-        <p:nvSpPr>
-          <p:cNvPr id="9" name="Slide Number Placeholder 5"/>
+          <a:lstStyle/>
+          <a:p>
+            <a:endParaRPr lang="zh-TW" altLang="en-US"/>
+          </a:p>
+        </p:txBody>
+      </p:sp>
+      <p:sp>
+        <p:nvSpPr>
+          <p:cNvPr id="9" name="投影片編號版面配置區 8"/>
           <p:cNvSpPr>
             <a:spLocks noGrp="1"/>
           </p:cNvSpPr>
@@ -1868,11 +1834,7 @@
         <p:spPr/>
         <p:txBody>
           <a:bodyPr/>
-          <a:lstStyle>
-            <a:lvl1pPr>
-              <a:defRPr/>
-            </a:lvl1pPr>
-          </a:lstStyle>
+          <a:lstStyle/>
           <a:p>
             <a:fld id="{727BE1A1-4F12-4113-B9D6-A313469115A9}" type="slidenum">
               <a:rPr lang="zh-TW" altLang="en-US" smtClean="0"/>
@@ -1884,6 +1846,11 @@
         </p:txBody>
       </p:sp>
     </p:spTree>
+    <p:extLst>
+      <p:ext uri="{BB962C8B-B14F-4D97-AF65-F5344CB8AC3E}">
+        <p14:creationId xmlns:p14="http://schemas.microsoft.com/office/powerpoint/2010/main" val="2283529137"/>
+      </p:ext>
+    </p:extLst>
   </p:cSld>
   <p:clrMapOvr>
     <a:masterClrMapping/>
@@ -1910,7 +1877,7 @@
       </p:grpSpPr>
       <p:sp>
         <p:nvSpPr>
-          <p:cNvPr id="2" name="Title 1"/>
+          <p:cNvPr id="2" name="標題 1"/>
           <p:cNvSpPr>
             <a:spLocks noGrp="1"/>
           </p:cNvSpPr>
@@ -1924,16 +1891,16 @@
           <a:lstStyle/>
           <a:p>
             <a:r>
-              <a:rPr lang="zh-TW" altLang="en-US" smtClean="0"/>
-              <a:t>按一下以編輯母片標題樣式</a:t>
-            </a:r>
-            <a:endParaRPr lang="en-US"/>
-          </a:p>
-        </p:txBody>
-      </p:sp>
-      <p:sp>
-        <p:nvSpPr>
-          <p:cNvPr id="3" name="Date Placeholder 3"/>
+              <a:rPr lang="en-US" altLang="zh-TW" smtClean="0"/>
+              <a:t>Click to edit Master title style</a:t>
+            </a:r>
+            <a:endParaRPr lang="zh-TW" altLang="en-US"/>
+          </a:p>
+        </p:txBody>
+      </p:sp>
+      <p:sp>
+        <p:nvSpPr>
+          <p:cNvPr id="3" name="日期版面配置區 2"/>
           <p:cNvSpPr>
             <a:spLocks noGrp="1"/>
           </p:cNvSpPr>
@@ -1944,16 +1911,12 @@
         <p:spPr/>
         <p:txBody>
           <a:bodyPr/>
-          <a:lstStyle>
-            <a:lvl1pPr>
-              <a:defRPr/>
-            </a:lvl1pPr>
-          </a:lstStyle>
+          <a:lstStyle/>
           <a:p>
             <a:fld id="{C3429DEB-D8F4-4865-8CDF-5DC36D22279F}" type="datetimeFigureOut">
               <a:rPr lang="zh-TW" altLang="en-US" smtClean="0"/>
               <a:pPr/>
-              <a:t>2018/3/1</a:t>
+              <a:t>2019/12/13</a:t>
             </a:fld>
             <a:endParaRPr lang="zh-TW" altLang="en-US"/>
           </a:p>
@@ -1961,7 +1924,7 @@
       </p:sp>
       <p:sp>
         <p:nvSpPr>
-          <p:cNvPr id="4" name="Footer Placeholder 4"/>
+          <p:cNvPr id="4" name="頁尾版面配置區 3"/>
           <p:cNvSpPr>
             <a:spLocks noGrp="1"/>
           </p:cNvSpPr>
@@ -1972,19 +1935,15 @@
         <p:spPr/>
         <p:txBody>
           <a:bodyPr/>
-          <a:lstStyle>
-            <a:lvl1pPr>
-              <a:defRPr/>
-            </a:lvl1pPr>
-          </a:lstStyle>
-          <a:p>
-            <a:endParaRPr lang="zh-TW" altLang="en-US"/>
-          </a:p>
-        </p:txBody>
-      </p:sp>
-      <p:sp>
-        <p:nvSpPr>
-          <p:cNvPr id="5" name="Slide Number Placeholder 5"/>
+          <a:lstStyle/>
+          <a:p>
+            <a:endParaRPr lang="zh-TW" altLang="en-US"/>
+          </a:p>
+        </p:txBody>
+      </p:sp>
+      <p:sp>
+        <p:nvSpPr>
+          <p:cNvPr id="5" name="投影片編號版面配置區 4"/>
           <p:cNvSpPr>
             <a:spLocks noGrp="1"/>
           </p:cNvSpPr>
@@ -1995,11 +1954,7 @@
         <p:spPr/>
         <p:txBody>
           <a:bodyPr/>
-          <a:lstStyle>
-            <a:lvl1pPr>
-              <a:defRPr/>
-            </a:lvl1pPr>
-          </a:lstStyle>
+          <a:lstStyle/>
           <a:p>
             <a:fld id="{727BE1A1-4F12-4113-B9D6-A313469115A9}" type="slidenum">
               <a:rPr lang="zh-TW" altLang="en-US" smtClean="0"/>
@@ -2011,6 +1966,11 @@
         </p:txBody>
       </p:sp>
     </p:spTree>
+    <p:extLst>
+      <p:ext uri="{BB962C8B-B14F-4D97-AF65-F5344CB8AC3E}">
+        <p14:creationId xmlns:p14="http://schemas.microsoft.com/office/powerpoint/2010/main" val="2032010685"/>
+      </p:ext>
+    </p:extLst>
   </p:cSld>
   <p:clrMapOvr>
     <a:masterClrMapping/>
@@ -2037,7 +1997,7 @@
       </p:grpSpPr>
       <p:sp>
         <p:nvSpPr>
-          <p:cNvPr id="2" name="Date Placeholder 3"/>
+          <p:cNvPr id="2" name="日期版面配置區 1"/>
           <p:cNvSpPr>
             <a:spLocks noGrp="1"/>
           </p:cNvSpPr>
@@ -2048,16 +2008,12 @@
         <p:spPr/>
         <p:txBody>
           <a:bodyPr/>
-          <a:lstStyle>
-            <a:lvl1pPr>
-              <a:defRPr/>
-            </a:lvl1pPr>
-          </a:lstStyle>
+          <a:lstStyle/>
           <a:p>
             <a:fld id="{C3429DEB-D8F4-4865-8CDF-5DC36D22279F}" type="datetimeFigureOut">
               <a:rPr lang="zh-TW" altLang="en-US" smtClean="0"/>
               <a:pPr/>
-              <a:t>2018/3/1</a:t>
+              <a:t>2019/12/13</a:t>
             </a:fld>
             <a:endParaRPr lang="zh-TW" altLang="en-US"/>
           </a:p>
@@ -2065,7 +2021,7 @@
       </p:sp>
       <p:sp>
         <p:nvSpPr>
-          <p:cNvPr id="3" name="Footer Placeholder 4"/>
+          <p:cNvPr id="3" name="頁尾版面配置區 2"/>
           <p:cNvSpPr>
             <a:spLocks noGrp="1"/>
           </p:cNvSpPr>
@@ -2076,19 +2032,15 @@
         <p:spPr/>
         <p:txBody>
           <a:bodyPr/>
-          <a:lstStyle>
-            <a:lvl1pPr>
-              <a:defRPr/>
-            </a:lvl1pPr>
-          </a:lstStyle>
-          <a:p>
-            <a:endParaRPr lang="zh-TW" altLang="en-US"/>
-          </a:p>
-        </p:txBody>
-      </p:sp>
-      <p:sp>
-        <p:nvSpPr>
-          <p:cNvPr id="4" name="Slide Number Placeholder 5"/>
+          <a:lstStyle/>
+          <a:p>
+            <a:endParaRPr lang="zh-TW" altLang="en-US"/>
+          </a:p>
+        </p:txBody>
+      </p:sp>
+      <p:sp>
+        <p:nvSpPr>
+          <p:cNvPr id="4" name="投影片編號版面配置區 3"/>
           <p:cNvSpPr>
             <a:spLocks noGrp="1"/>
           </p:cNvSpPr>
@@ -2099,11 +2051,7 @@
         <p:spPr/>
         <p:txBody>
           <a:bodyPr/>
-          <a:lstStyle>
-            <a:lvl1pPr>
-              <a:defRPr/>
-            </a:lvl1pPr>
-          </a:lstStyle>
+          <a:lstStyle/>
           <a:p>
             <a:fld id="{727BE1A1-4F12-4113-B9D6-A313469115A9}" type="slidenum">
               <a:rPr lang="zh-TW" altLang="en-US" smtClean="0"/>
@@ -2115,6 +2063,11 @@
         </p:txBody>
       </p:sp>
     </p:spTree>
+    <p:extLst>
+      <p:ext uri="{BB962C8B-B14F-4D97-AF65-F5344CB8AC3E}">
+        <p14:creationId xmlns:p14="http://schemas.microsoft.com/office/powerpoint/2010/main" val="2407062230"/>
+      </p:ext>
+    </p:extLst>
   </p:cSld>
   <p:clrMapOvr>
     <a:masterClrMapping/>
@@ -2141,7 +2094,7 @@
       </p:grpSpPr>
       <p:sp>
         <p:nvSpPr>
-          <p:cNvPr id="2" name="Title 1"/>
+          <p:cNvPr id="2" name="標題 1"/>
           <p:cNvSpPr>
             <a:spLocks noGrp="1"/>
           </p:cNvSpPr>
@@ -2151,8 +2104,8 @@
         </p:nvSpPr>
         <p:spPr>
           <a:xfrm>
-            <a:off x="457200" y="273050"/>
-            <a:ext cx="3008313" cy="1162050"/>
+            <a:off x="609601" y="273050"/>
+            <a:ext cx="4011084" cy="1162050"/>
           </a:xfrm>
         </p:spPr>
         <p:txBody>
@@ -2164,16 +2117,16 @@
           </a:lstStyle>
           <a:p>
             <a:r>
-              <a:rPr lang="zh-TW" altLang="en-US" smtClean="0"/>
-              <a:t>按一下以編輯母片標題樣式</a:t>
-            </a:r>
-            <a:endParaRPr lang="en-US"/>
-          </a:p>
-        </p:txBody>
-      </p:sp>
-      <p:sp>
-        <p:nvSpPr>
-          <p:cNvPr id="3" name="Content Placeholder 2"/>
+              <a:rPr lang="en-US" altLang="zh-TW" smtClean="0"/>
+              <a:t>Click to edit Master title style</a:t>
+            </a:r>
+            <a:endParaRPr lang="zh-TW" altLang="en-US"/>
+          </a:p>
+        </p:txBody>
+      </p:sp>
+      <p:sp>
+        <p:nvSpPr>
+          <p:cNvPr id="3" name="內容版面配置區 2"/>
           <p:cNvSpPr>
             <a:spLocks noGrp="1"/>
           </p:cNvSpPr>
@@ -2183,8 +2136,8 @@
         </p:nvSpPr>
         <p:spPr>
           <a:xfrm>
-            <a:off x="3575050" y="273050"/>
-            <a:ext cx="5111750" cy="5853113"/>
+            <a:off x="4766733" y="273051"/>
+            <a:ext cx="6815667" cy="5853113"/>
           </a:xfrm>
         </p:spPr>
         <p:txBody>
@@ -2221,44 +2174,44 @@
           <a:p>
             <a:pPr lvl="0"/>
             <a:r>
-              <a:rPr lang="zh-TW" altLang="en-US" smtClean="0"/>
-              <a:t>按一下以編輯母片文字樣式</a:t>
+              <a:rPr lang="en-US" altLang="zh-TW" smtClean="0"/>
+              <a:t>Edit Master text styles</a:t>
             </a:r>
           </a:p>
           <a:p>
             <a:pPr lvl="1"/>
             <a:r>
-              <a:rPr lang="zh-TW" altLang="en-US" smtClean="0"/>
-              <a:t>第二層</a:t>
+              <a:rPr lang="en-US" altLang="zh-TW" smtClean="0"/>
+              <a:t>Second level</a:t>
             </a:r>
           </a:p>
           <a:p>
             <a:pPr lvl="2"/>
             <a:r>
-              <a:rPr lang="zh-TW" altLang="en-US" smtClean="0"/>
-              <a:t>第三層</a:t>
+              <a:rPr lang="en-US" altLang="zh-TW" smtClean="0"/>
+              <a:t>Third level</a:t>
             </a:r>
           </a:p>
           <a:p>
             <a:pPr lvl="3"/>
             <a:r>
-              <a:rPr lang="zh-TW" altLang="en-US" smtClean="0"/>
-              <a:t>第四層</a:t>
+              <a:rPr lang="en-US" altLang="zh-TW" smtClean="0"/>
+              <a:t>Fourth level</a:t>
             </a:r>
           </a:p>
           <a:p>
             <a:pPr lvl="4"/>
             <a:r>
-              <a:rPr lang="zh-TW" altLang="en-US" smtClean="0"/>
-              <a:t>第五層</a:t>
-            </a:r>
-            <a:endParaRPr lang="en-US"/>
-          </a:p>
-        </p:txBody>
-      </p:sp>
-      <p:sp>
-        <p:nvSpPr>
-          <p:cNvPr id="4" name="Text Placeholder 3"/>
+              <a:rPr lang="en-US" altLang="zh-TW" smtClean="0"/>
+              <a:t>Fifth level</a:t>
+            </a:r>
+            <a:endParaRPr lang="zh-TW" altLang="en-US"/>
+          </a:p>
+        </p:txBody>
+      </p:sp>
+      <p:sp>
+        <p:nvSpPr>
+          <p:cNvPr id="4" name="文字版面配置區 3"/>
           <p:cNvSpPr>
             <a:spLocks noGrp="1"/>
           </p:cNvSpPr>
@@ -2268,8 +2221,8 @@
         </p:nvSpPr>
         <p:spPr>
           <a:xfrm>
-            <a:off x="457200" y="1435100"/>
-            <a:ext cx="3008313" cy="4691063"/>
+            <a:off x="609601" y="1435101"/>
+            <a:ext cx="4011084" cy="4691063"/>
           </a:xfrm>
         </p:spPr>
         <p:txBody>
@@ -2315,15 +2268,15 @@
           <a:p>
             <a:pPr lvl="0"/>
             <a:r>
-              <a:rPr lang="zh-TW" altLang="en-US" smtClean="0"/>
-              <a:t>按一下以編輯母片文字樣式</a:t>
-            </a:r>
-          </a:p>
-        </p:txBody>
-      </p:sp>
-      <p:sp>
-        <p:nvSpPr>
-          <p:cNvPr id="5" name="Date Placeholder 3"/>
+              <a:rPr lang="en-US" altLang="zh-TW" smtClean="0"/>
+              <a:t>Edit Master text styles</a:t>
+            </a:r>
+          </a:p>
+        </p:txBody>
+      </p:sp>
+      <p:sp>
+        <p:nvSpPr>
+          <p:cNvPr id="5" name="日期版面配置區 4"/>
           <p:cNvSpPr>
             <a:spLocks noGrp="1"/>
           </p:cNvSpPr>
@@ -2334,16 +2287,12 @@
         <p:spPr/>
         <p:txBody>
           <a:bodyPr/>
-          <a:lstStyle>
-            <a:lvl1pPr>
-              <a:defRPr/>
-            </a:lvl1pPr>
-          </a:lstStyle>
+          <a:lstStyle/>
           <a:p>
             <a:fld id="{C3429DEB-D8F4-4865-8CDF-5DC36D22279F}" type="datetimeFigureOut">
               <a:rPr lang="zh-TW" altLang="en-US" smtClean="0"/>
               <a:pPr/>
-              <a:t>2018/3/1</a:t>
+              <a:t>2019/12/13</a:t>
             </a:fld>
             <a:endParaRPr lang="zh-TW" altLang="en-US"/>
           </a:p>
@@ -2351,7 +2300,7 @@
       </p:sp>
       <p:sp>
         <p:nvSpPr>
-          <p:cNvPr id="6" name="Footer Placeholder 4"/>
+          <p:cNvPr id="6" name="頁尾版面配置區 5"/>
           <p:cNvSpPr>
             <a:spLocks noGrp="1"/>
           </p:cNvSpPr>
@@ -2362,19 +2311,15 @@
         <p:spPr/>
         <p:txBody>
           <a:bodyPr/>
-          <a:lstStyle>
-            <a:lvl1pPr>
-              <a:defRPr/>
-            </a:lvl1pPr>
-          </a:lstStyle>
-          <a:p>
-            <a:endParaRPr lang="zh-TW" altLang="en-US"/>
-          </a:p>
-        </p:txBody>
-      </p:sp>
-      <p:sp>
-        <p:nvSpPr>
-          <p:cNvPr id="7" name="Slide Number Placeholder 5"/>
+          <a:lstStyle/>
+          <a:p>
+            <a:endParaRPr lang="zh-TW" altLang="en-US"/>
+          </a:p>
+        </p:txBody>
+      </p:sp>
+      <p:sp>
+        <p:nvSpPr>
+          <p:cNvPr id="7" name="投影片編號版面配置區 6"/>
           <p:cNvSpPr>
             <a:spLocks noGrp="1"/>
           </p:cNvSpPr>
@@ -2385,11 +2330,7 @@
         <p:spPr/>
         <p:txBody>
           <a:bodyPr/>
-          <a:lstStyle>
-            <a:lvl1pPr>
-              <a:defRPr/>
-            </a:lvl1pPr>
-          </a:lstStyle>
+          <a:lstStyle/>
           <a:p>
             <a:fld id="{727BE1A1-4F12-4113-B9D6-A313469115A9}" type="slidenum">
               <a:rPr lang="zh-TW" altLang="en-US" smtClean="0"/>
@@ -2401,6 +2342,11 @@
         </p:txBody>
       </p:sp>
     </p:spTree>
+    <p:extLst>
+      <p:ext uri="{BB962C8B-B14F-4D97-AF65-F5344CB8AC3E}">
+        <p14:creationId xmlns:p14="http://schemas.microsoft.com/office/powerpoint/2010/main" val="421693525"/>
+      </p:ext>
+    </p:extLst>
   </p:cSld>
   <p:clrMapOvr>
     <a:masterClrMapping/>
@@ -2427,7 +2373,7 @@
       </p:grpSpPr>
       <p:sp>
         <p:nvSpPr>
-          <p:cNvPr id="2" name="Title 1"/>
+          <p:cNvPr id="2" name="標題 1"/>
           <p:cNvSpPr>
             <a:spLocks noGrp="1"/>
           </p:cNvSpPr>
@@ -2437,8 +2383,8 @@
         </p:nvSpPr>
         <p:spPr>
           <a:xfrm>
-            <a:off x="1792288" y="4800600"/>
-            <a:ext cx="5486400" cy="566738"/>
+            <a:off x="2389717" y="4800600"/>
+            <a:ext cx="7315200" cy="566738"/>
           </a:xfrm>
         </p:spPr>
         <p:txBody>
@@ -2450,16 +2396,16 @@
           </a:lstStyle>
           <a:p>
             <a:r>
-              <a:rPr lang="zh-TW" altLang="en-US" smtClean="0"/>
-              <a:t>按一下以編輯母片標題樣式</a:t>
-            </a:r>
-            <a:endParaRPr lang="en-US"/>
-          </a:p>
-        </p:txBody>
-      </p:sp>
-      <p:sp>
-        <p:nvSpPr>
-          <p:cNvPr id="3" name="Picture Placeholder 2"/>
+              <a:rPr lang="en-US" altLang="zh-TW" smtClean="0"/>
+              <a:t>Click to edit Master title style</a:t>
+            </a:r>
+            <a:endParaRPr lang="zh-TW" altLang="en-US"/>
+          </a:p>
+        </p:txBody>
+      </p:sp>
+      <p:sp>
+        <p:nvSpPr>
+          <p:cNvPr id="3" name="圖片版面配置區 2"/>
           <p:cNvSpPr>
             <a:spLocks noGrp="1"/>
           </p:cNvSpPr>
@@ -2469,14 +2415,12 @@
         </p:nvSpPr>
         <p:spPr>
           <a:xfrm>
-            <a:off x="1792288" y="612775"/>
-            <a:ext cx="5486400" cy="4114800"/>
+            <a:off x="2389717" y="612775"/>
+            <a:ext cx="7315200" cy="4114800"/>
           </a:xfrm>
         </p:spPr>
         <p:txBody>
-          <a:bodyPr rtlCol="0">
-            <a:normAutofit/>
-          </a:bodyPr>
+          <a:bodyPr/>
           <a:lstStyle>
             <a:lvl1pPr marL="0" indent="0">
               <a:buNone/>
@@ -2516,18 +2460,17 @@
             </a:lvl9pPr>
           </a:lstStyle>
           <a:p>
-            <a:pPr lvl="0"/>
-            <a:r>
-              <a:rPr lang="zh-TW" altLang="en-US" noProof="0" smtClean="0"/>
-              <a:t>按一下圖示以新增圖片</a:t>
-            </a:r>
-            <a:endParaRPr lang="en-US" noProof="0"/>
-          </a:p>
-        </p:txBody>
-      </p:sp>
-      <p:sp>
-        <p:nvSpPr>
-          <p:cNvPr id="4" name="Text Placeholder 3"/>
+            <a:r>
+              <a:rPr lang="en-US" altLang="zh-TW" smtClean="0"/>
+              <a:t>Click icon to add picture</a:t>
+            </a:r>
+            <a:endParaRPr lang="zh-TW" altLang="en-US"/>
+          </a:p>
+        </p:txBody>
+      </p:sp>
+      <p:sp>
+        <p:nvSpPr>
+          <p:cNvPr id="4" name="文字版面配置區 3"/>
           <p:cNvSpPr>
             <a:spLocks noGrp="1"/>
           </p:cNvSpPr>
@@ -2537,8 +2480,8 @@
         </p:nvSpPr>
         <p:spPr>
           <a:xfrm>
-            <a:off x="1792288" y="5367338"/>
-            <a:ext cx="5486400" cy="804862"/>
+            <a:off x="2389717" y="5367338"/>
+            <a:ext cx="7315200" cy="804862"/>
           </a:xfrm>
         </p:spPr>
         <p:txBody>
@@ -2584,15 +2527,15 @@
           <a:p>
             <a:pPr lvl="0"/>
             <a:r>
-              <a:rPr lang="zh-TW" altLang="en-US" smtClean="0"/>
-              <a:t>按一下以編輯母片文字樣式</a:t>
-            </a:r>
-          </a:p>
-        </p:txBody>
-      </p:sp>
-      <p:sp>
-        <p:nvSpPr>
-          <p:cNvPr id="5" name="Date Placeholder 3"/>
+              <a:rPr lang="en-US" altLang="zh-TW" smtClean="0"/>
+              <a:t>Edit Master text styles</a:t>
+            </a:r>
+          </a:p>
+        </p:txBody>
+      </p:sp>
+      <p:sp>
+        <p:nvSpPr>
+          <p:cNvPr id="5" name="日期版面配置區 4"/>
           <p:cNvSpPr>
             <a:spLocks noGrp="1"/>
           </p:cNvSpPr>
@@ -2603,16 +2546,12 @@
         <p:spPr/>
         <p:txBody>
           <a:bodyPr/>
-          <a:lstStyle>
-            <a:lvl1pPr>
-              <a:defRPr/>
-            </a:lvl1pPr>
-          </a:lstStyle>
+          <a:lstStyle/>
           <a:p>
             <a:fld id="{C3429DEB-D8F4-4865-8CDF-5DC36D22279F}" type="datetimeFigureOut">
               <a:rPr lang="zh-TW" altLang="en-US" smtClean="0"/>
               <a:pPr/>
-              <a:t>2018/3/1</a:t>
+              <a:t>2019/12/13</a:t>
             </a:fld>
             <a:endParaRPr lang="zh-TW" altLang="en-US"/>
           </a:p>
@@ -2620,7 +2559,7 @@
       </p:sp>
       <p:sp>
         <p:nvSpPr>
-          <p:cNvPr id="6" name="Footer Placeholder 4"/>
+          <p:cNvPr id="6" name="頁尾版面配置區 5"/>
           <p:cNvSpPr>
             <a:spLocks noGrp="1"/>
           </p:cNvSpPr>
@@ -2631,19 +2570,15 @@
         <p:spPr/>
         <p:txBody>
           <a:bodyPr/>
-          <a:lstStyle>
-            <a:lvl1pPr>
-              <a:defRPr/>
-            </a:lvl1pPr>
-          </a:lstStyle>
-          <a:p>
-            <a:endParaRPr lang="zh-TW" altLang="en-US"/>
-          </a:p>
-        </p:txBody>
-      </p:sp>
-      <p:sp>
-        <p:nvSpPr>
-          <p:cNvPr id="7" name="Slide Number Placeholder 5"/>
+          <a:lstStyle/>
+          <a:p>
+            <a:endParaRPr lang="zh-TW" altLang="en-US"/>
+          </a:p>
+        </p:txBody>
+      </p:sp>
+      <p:sp>
+        <p:nvSpPr>
+          <p:cNvPr id="7" name="投影片編號版面配置區 6"/>
           <p:cNvSpPr>
             <a:spLocks noGrp="1"/>
           </p:cNvSpPr>
@@ -2654,11 +2589,7 @@
         <p:spPr/>
         <p:txBody>
           <a:bodyPr/>
-          <a:lstStyle>
-            <a:lvl1pPr>
-              <a:defRPr/>
-            </a:lvl1pPr>
-          </a:lstStyle>
+          <a:lstStyle/>
           <a:p>
             <a:fld id="{727BE1A1-4F12-4113-B9D6-A313469115A9}" type="slidenum">
               <a:rPr lang="zh-TW" altLang="en-US" smtClean="0"/>
@@ -2670,6 +2601,11 @@
         </p:txBody>
       </p:sp>
     </p:spTree>
+    <p:extLst>
+      <p:ext uri="{BB962C8B-B14F-4D97-AF65-F5344CB8AC3E}">
+        <p14:creationId xmlns:p14="http://schemas.microsoft.com/office/powerpoint/2010/main" val="4252234951"/>
+      </p:ext>
+    </p:extLst>
   </p:cSld>
   <p:clrMapOvr>
     <a:masterClrMapping/>
@@ -2683,13 +2619,9 @@
     <p:bg>
       <p:bgPr>
         <a:blipFill dpi="0" rotWithShape="1">
-          <a:blip r:embed="rId13">
-            <a:lum/>
-          </a:blip>
+          <a:blip r:embed="rId13"/>
           <a:srcRect/>
-          <a:stretch>
-            <a:fillRect l="-21000" r="-21000"/>
-          </a:stretch>
+          <a:tile tx="0" ty="0" sx="100000" sy="100000" flip="none" algn="tl"/>
         </a:blipFill>
         <a:effectLst/>
       </p:bgPr>
@@ -2710,155 +2642,128 @@
       </p:grpSpPr>
       <p:sp>
         <p:nvSpPr>
-          <p:cNvPr id="1026" name="Title Placeholder 1"/>
+          <p:cNvPr id="2" name="標題版面配置區 1"/>
           <p:cNvSpPr>
             <a:spLocks noGrp="1"/>
           </p:cNvSpPr>
           <p:nvPr>
             <p:ph type="title"/>
-          </p:nvPr>
-        </p:nvSpPr>
-        <p:spPr bwMode="auto">
-          <a:xfrm>
-            <a:off x="457200" y="274638"/>
-            <a:ext cx="8229600" cy="1143000"/>
-          </a:xfrm>
-          <a:prstGeom prst="rect">
-            <a:avLst/>
-          </a:prstGeom>
-          <a:noFill/>
-          <a:ln w="9525">
-            <a:noFill/>
-            <a:miter lim="800000"/>
-            <a:headEnd/>
-            <a:tailEnd/>
-          </a:ln>
-        </p:spPr>
-        <p:txBody>
-          <a:bodyPr vert="horz" wrap="square" lIns="91440" tIns="45720" rIns="91440" bIns="45720" numCol="1" anchor="ctr" anchorCtr="0" compatLnSpc="1">
-            <a:prstTxWarp prst="textNoShape">
-              <a:avLst/>
-            </a:prstTxWarp>
-          </a:bodyPr>
-          <a:lstStyle/>
-          <a:p>
-            <a:pPr lvl="0"/>
-            <a:r>
-              <a:rPr lang="zh-TW" altLang="en-US" smtClean="0"/>
-              <a:t>按一下以編輯母片標題樣式</a:t>
-            </a:r>
-            <a:endParaRPr lang="en-US" altLang="zh-TW" smtClean="0"/>
-          </a:p>
-        </p:txBody>
-      </p:sp>
-      <p:sp>
-        <p:nvSpPr>
-          <p:cNvPr id="1027" name="Text Placeholder 2"/>
-          <p:cNvSpPr>
-            <a:spLocks noGrp="1"/>
-          </p:cNvSpPr>
-          <p:nvPr>
-            <p:ph type="body" idx="1"/>
-          </p:nvPr>
-        </p:nvSpPr>
-        <p:spPr bwMode="auto">
-          <a:xfrm>
-            <a:off x="457200" y="1600200"/>
-            <a:ext cx="8229600" cy="4525963"/>
-          </a:xfrm>
-          <a:prstGeom prst="rect">
-            <a:avLst/>
-          </a:prstGeom>
-          <a:noFill/>
-          <a:ln w="9525">
-            <a:noFill/>
-            <a:miter lim="800000"/>
-            <a:headEnd/>
-            <a:tailEnd/>
-          </a:ln>
-        </p:spPr>
-        <p:txBody>
-          <a:bodyPr vert="horz" wrap="square" lIns="91440" tIns="45720" rIns="91440" bIns="45720" numCol="1" anchor="t" anchorCtr="0" compatLnSpc="1">
-            <a:prstTxWarp prst="textNoShape">
-              <a:avLst/>
-            </a:prstTxWarp>
-          </a:bodyPr>
-          <a:lstStyle/>
-          <a:p>
-            <a:pPr lvl="0"/>
-            <a:r>
-              <a:rPr lang="zh-TW" altLang="en-US" smtClean="0"/>
-              <a:t>按一下以編輯母片文字樣式</a:t>
-            </a:r>
-          </a:p>
-          <a:p>
-            <a:pPr lvl="1"/>
-            <a:r>
-              <a:rPr lang="zh-TW" altLang="en-US" smtClean="0"/>
-              <a:t>第二層</a:t>
-            </a:r>
-          </a:p>
-          <a:p>
-            <a:pPr lvl="2"/>
-            <a:r>
-              <a:rPr lang="zh-TW" altLang="en-US" smtClean="0"/>
-              <a:t>第三層</a:t>
-            </a:r>
-          </a:p>
-          <a:p>
-            <a:pPr lvl="3"/>
-            <a:r>
-              <a:rPr lang="zh-TW" altLang="en-US" smtClean="0"/>
-              <a:t>第四層</a:t>
-            </a:r>
-          </a:p>
-          <a:p>
-            <a:pPr lvl="4"/>
-            <a:r>
-              <a:rPr lang="zh-TW" altLang="en-US" smtClean="0"/>
-              <a:t>第五層</a:t>
-            </a:r>
-            <a:endParaRPr lang="en-US" altLang="zh-TW" smtClean="0"/>
-          </a:p>
-        </p:txBody>
-      </p:sp>
-      <p:sp>
-        <p:nvSpPr>
-          <p:cNvPr id="4" name="Date Placeholder 3"/>
-          <p:cNvSpPr>
-            <a:spLocks noGrp="1"/>
-          </p:cNvSpPr>
-          <p:nvPr>
-            <p:ph type="dt" sz="half" idx="2"/>
           </p:nvPr>
         </p:nvSpPr>
         <p:spPr>
           <a:xfrm>
-            <a:off x="457200" y="6356350"/>
-            <a:ext cx="2133600" cy="365125"/>
+            <a:off x="609600" y="274638"/>
+            <a:ext cx="10972800" cy="1143000"/>
           </a:xfrm>
           <a:prstGeom prst="rect">
             <a:avLst/>
           </a:prstGeom>
         </p:spPr>
         <p:txBody>
+          <a:bodyPr vert="horz" lIns="91440" tIns="45720" rIns="91440" bIns="45720" rtlCol="0" anchor="ctr">
+            <a:normAutofit/>
+          </a:bodyPr>
+          <a:lstStyle/>
+          <a:p>
+            <a:r>
+              <a:rPr lang="zh-TW" altLang="en-US" smtClean="0"/>
+              <a:t>按一下以編輯母片標題樣式</a:t>
+            </a:r>
+            <a:endParaRPr lang="zh-TW" altLang="en-US"/>
+          </a:p>
+        </p:txBody>
+      </p:sp>
+      <p:sp>
+        <p:nvSpPr>
+          <p:cNvPr id="3" name="文字版面配置區 2"/>
+          <p:cNvSpPr>
+            <a:spLocks noGrp="1"/>
+          </p:cNvSpPr>
+          <p:nvPr>
+            <p:ph type="body" idx="1"/>
+          </p:nvPr>
+        </p:nvSpPr>
+        <p:spPr>
+          <a:xfrm>
+            <a:off x="609600" y="1600201"/>
+            <a:ext cx="10972800" cy="4525963"/>
+          </a:xfrm>
+          <a:prstGeom prst="rect">
+            <a:avLst/>
+          </a:prstGeom>
+        </p:spPr>
+        <p:txBody>
+          <a:bodyPr vert="horz" lIns="91440" tIns="45720" rIns="91440" bIns="45720" rtlCol="0">
+            <a:normAutofit/>
+          </a:bodyPr>
+          <a:lstStyle/>
+          <a:p>
+            <a:pPr lvl="0"/>
+            <a:r>
+              <a:rPr lang="zh-TW" altLang="en-US" smtClean="0"/>
+              <a:t>按一下以編輯母片文字樣式</a:t>
+            </a:r>
+          </a:p>
+          <a:p>
+            <a:pPr lvl="1"/>
+            <a:r>
+              <a:rPr lang="zh-TW" altLang="en-US" smtClean="0"/>
+              <a:t>第二層</a:t>
+            </a:r>
+          </a:p>
+          <a:p>
+            <a:pPr lvl="2"/>
+            <a:r>
+              <a:rPr lang="zh-TW" altLang="en-US" smtClean="0"/>
+              <a:t>第三層</a:t>
+            </a:r>
+          </a:p>
+          <a:p>
+            <a:pPr lvl="3"/>
+            <a:r>
+              <a:rPr lang="zh-TW" altLang="en-US" smtClean="0"/>
+              <a:t>第四層</a:t>
+            </a:r>
+          </a:p>
+          <a:p>
+            <a:pPr lvl="4"/>
+            <a:r>
+              <a:rPr lang="zh-TW" altLang="en-US" smtClean="0"/>
+              <a:t>第五層</a:t>
+            </a:r>
+            <a:endParaRPr lang="zh-TW" altLang="en-US"/>
+          </a:p>
+        </p:txBody>
+      </p:sp>
+      <p:sp>
+        <p:nvSpPr>
+          <p:cNvPr id="4" name="日期版面配置區 3"/>
+          <p:cNvSpPr>
+            <a:spLocks noGrp="1"/>
+          </p:cNvSpPr>
+          <p:nvPr>
+            <p:ph type="dt" sz="half" idx="2"/>
+          </p:nvPr>
+        </p:nvSpPr>
+        <p:spPr>
+          <a:xfrm>
+            <a:off x="609600" y="6356351"/>
+            <a:ext cx="2844800" cy="365125"/>
+          </a:xfrm>
+          <a:prstGeom prst="rect">
+            <a:avLst/>
+          </a:prstGeom>
+        </p:spPr>
+        <p:txBody>
           <a:bodyPr vert="horz" lIns="91440" tIns="45720" rIns="91440" bIns="45720" rtlCol="0" anchor="ctr"/>
           <a:lstStyle>
-            <a:lvl1pPr algn="l" fontAlgn="auto">
-              <a:spcBef>
-                <a:spcPts val="0"/>
-              </a:spcBef>
-              <a:spcAft>
-                <a:spcPts val="0"/>
-              </a:spcAft>
-              <a:defRPr kumimoji="0" sz="1200" smtClean="0">
+            <a:lvl1pPr algn="l">
+              <a:defRPr sz="1200">
                 <a:solidFill>
                   <a:schemeClr val="tx1">
                     <a:tint val="75000"/>
                   </a:schemeClr>
                 </a:solidFill>
-                <a:latin typeface="+mn-lt"/>
-                <a:ea typeface="+mn-ea"/>
               </a:defRPr>
             </a:lvl1pPr>
           </a:lstStyle>
@@ -2866,7 +2771,7 @@
             <a:fld id="{C3429DEB-D8F4-4865-8CDF-5DC36D22279F}" type="datetimeFigureOut">
               <a:rPr lang="zh-TW" altLang="en-US" smtClean="0"/>
               <a:pPr/>
-              <a:t>2018/3/1</a:t>
+              <a:t>2019/12/13</a:t>
             </a:fld>
             <a:endParaRPr lang="zh-TW" altLang="en-US"/>
           </a:p>
@@ -2874,7 +2779,7 @@
       </p:sp>
       <p:sp>
         <p:nvSpPr>
-          <p:cNvPr id="5" name="Footer Placeholder 4"/>
+          <p:cNvPr id="5" name="頁尾版面配置區 4"/>
           <p:cNvSpPr>
             <a:spLocks noGrp="1"/>
           </p:cNvSpPr>
@@ -2884,8 +2789,8 @@
         </p:nvSpPr>
         <p:spPr>
           <a:xfrm>
-            <a:off x="3124200" y="6356350"/>
-            <a:ext cx="2895600" cy="365125"/>
+            <a:off x="4165600" y="6356351"/>
+            <a:ext cx="3860800" cy="365125"/>
           </a:xfrm>
           <a:prstGeom prst="rect">
             <a:avLst/>
@@ -2894,21 +2799,13 @@
         <p:txBody>
           <a:bodyPr vert="horz" lIns="91440" tIns="45720" rIns="91440" bIns="45720" rtlCol="0" anchor="ctr"/>
           <a:lstStyle>
-            <a:lvl1pPr algn="ctr" fontAlgn="auto">
-              <a:spcBef>
-                <a:spcPts val="0"/>
-              </a:spcBef>
-              <a:spcAft>
-                <a:spcPts val="0"/>
-              </a:spcAft>
-              <a:defRPr kumimoji="0" sz="1200">
+            <a:lvl1pPr algn="ctr">
+              <a:defRPr sz="1200">
                 <a:solidFill>
                   <a:schemeClr val="tx1">
                     <a:tint val="75000"/>
                   </a:schemeClr>
                 </a:solidFill>
-                <a:latin typeface="+mn-lt"/>
-                <a:ea typeface="+mn-ea"/>
               </a:defRPr>
             </a:lvl1pPr>
           </a:lstStyle>
@@ -2919,7 +2816,7 @@
       </p:sp>
       <p:sp>
         <p:nvSpPr>
-          <p:cNvPr id="6" name="Slide Number Placeholder 5"/>
+          <p:cNvPr id="6" name="投影片編號版面配置區 5"/>
           <p:cNvSpPr>
             <a:spLocks noGrp="1"/>
           </p:cNvSpPr>
@@ -2929,8 +2826,8 @@
         </p:nvSpPr>
         <p:spPr>
           <a:xfrm>
-            <a:off x="6553200" y="6356350"/>
-            <a:ext cx="2133600" cy="365125"/>
+            <a:off x="8737600" y="6356351"/>
+            <a:ext cx="2844800" cy="365125"/>
           </a:xfrm>
           <a:prstGeom prst="rect">
             <a:avLst/>
@@ -2939,21 +2836,13 @@
         <p:txBody>
           <a:bodyPr vert="horz" lIns="91440" tIns="45720" rIns="91440" bIns="45720" rtlCol="0" anchor="ctr"/>
           <a:lstStyle>
-            <a:lvl1pPr algn="r" fontAlgn="auto">
-              <a:spcBef>
-                <a:spcPts val="0"/>
-              </a:spcBef>
-              <a:spcAft>
-                <a:spcPts val="0"/>
-              </a:spcAft>
-              <a:defRPr kumimoji="0" sz="1200" smtClean="0">
+            <a:lvl1pPr algn="r">
+              <a:defRPr sz="1200">
                 <a:solidFill>
                   <a:schemeClr val="tx1">
                     <a:tint val="75000"/>
                   </a:schemeClr>
                 </a:solidFill>
-                <a:latin typeface="+mn-lt"/>
-                <a:ea typeface="+mn-ea"/>
               </a:defRPr>
             </a:lvl1pPr>
           </a:lstStyle>
@@ -2968,30 +2857,33 @@
         </p:txBody>
       </p:sp>
     </p:spTree>
+    <p:extLst>
+      <p:ext uri="{BB962C8B-B14F-4D97-AF65-F5344CB8AC3E}">
+        <p14:creationId xmlns:p14="http://schemas.microsoft.com/office/powerpoint/2010/main" val="2341388030"/>
+      </p:ext>
+    </p:extLst>
   </p:cSld>
   <p:clrMap bg1="lt1" tx1="dk1" bg2="lt2" tx2="dk2" accent1="accent1" accent2="accent2" accent3="accent3" accent4="accent4" accent5="accent5" accent6="accent6" hlink="hlink" folHlink="folHlink"/>
   <p:sldLayoutIdLst>
-    <p:sldLayoutId id="2147483661" r:id="rId1"/>
-    <p:sldLayoutId id="2147483662" r:id="rId2"/>
-    <p:sldLayoutId id="2147483663" r:id="rId3"/>
-    <p:sldLayoutId id="2147483664" r:id="rId4"/>
-    <p:sldLayoutId id="2147483665" r:id="rId5"/>
-    <p:sldLayoutId id="2147483666" r:id="rId6"/>
-    <p:sldLayoutId id="2147483667" r:id="rId7"/>
-    <p:sldLayoutId id="2147483668" r:id="rId8"/>
-    <p:sldLayoutId id="2147483669" r:id="rId9"/>
-    <p:sldLayoutId id="2147483670" r:id="rId10"/>
-    <p:sldLayoutId id="2147483671" r:id="rId11"/>
+    <p:sldLayoutId id="2147483673" r:id="rId1"/>
+    <p:sldLayoutId id="2147483674" r:id="rId2"/>
+    <p:sldLayoutId id="2147483675" r:id="rId3"/>
+    <p:sldLayoutId id="2147483676" r:id="rId4"/>
+    <p:sldLayoutId id="2147483677" r:id="rId5"/>
+    <p:sldLayoutId id="2147483678" r:id="rId6"/>
+    <p:sldLayoutId id="2147483679" r:id="rId7"/>
+    <p:sldLayoutId id="2147483680" r:id="rId8"/>
+    <p:sldLayoutId id="2147483681" r:id="rId9"/>
+    <p:sldLayoutId id="2147483682" r:id="rId10"/>
+    <p:sldLayoutId id="2147483683" r:id="rId11"/>
   </p:sldLayoutIdLst>
   <p:txStyles>
     <p:titleStyle>
-      <a:lvl1pPr algn="ctr" rtl="0" eaLnBrk="1" fontAlgn="base" hangingPunct="1">
+      <a:lvl1pPr algn="ctr" defTabSz="914400" rtl="0" eaLnBrk="1" latinLnBrk="0" hangingPunct="1">
         <a:spcBef>
           <a:spcPct val="0"/>
         </a:spcBef>
-        <a:spcAft>
-          <a:spcPct val="0"/>
-        </a:spcAft>
+        <a:buNone/>
         <a:defRPr sz="4400" kern="1200">
           <a:solidFill>
             <a:schemeClr val="tx1"/>
@@ -3001,128 +2893,13 @@
           <a:cs typeface="+mj-cs"/>
         </a:defRPr>
       </a:lvl1pPr>
-      <a:lvl2pPr algn="ctr" rtl="0" eaLnBrk="1" fontAlgn="base" hangingPunct="1">
-        <a:spcBef>
-          <a:spcPct val="0"/>
-        </a:spcBef>
-        <a:spcAft>
-          <a:spcPct val="0"/>
-        </a:spcAft>
-        <a:defRPr sz="4400">
-          <a:solidFill>
-            <a:schemeClr val="tx1"/>
-          </a:solidFill>
-          <a:latin typeface="Calibri" pitchFamily="34" charset="0"/>
-        </a:defRPr>
-      </a:lvl2pPr>
-      <a:lvl3pPr algn="ctr" rtl="0" eaLnBrk="1" fontAlgn="base" hangingPunct="1">
-        <a:spcBef>
-          <a:spcPct val="0"/>
-        </a:spcBef>
-        <a:spcAft>
-          <a:spcPct val="0"/>
-        </a:spcAft>
-        <a:defRPr sz="4400">
-          <a:solidFill>
-            <a:schemeClr val="tx1"/>
-          </a:solidFill>
-          <a:latin typeface="Calibri" pitchFamily="34" charset="0"/>
-        </a:defRPr>
-      </a:lvl3pPr>
-      <a:lvl4pPr algn="ctr" rtl="0" eaLnBrk="1" fontAlgn="base" hangingPunct="1">
-        <a:spcBef>
-          <a:spcPct val="0"/>
-        </a:spcBef>
-        <a:spcAft>
-          <a:spcPct val="0"/>
-        </a:spcAft>
-        <a:defRPr sz="4400">
-          <a:solidFill>
-            <a:schemeClr val="tx1"/>
-          </a:solidFill>
-          <a:latin typeface="Calibri" pitchFamily="34" charset="0"/>
-        </a:defRPr>
-      </a:lvl4pPr>
-      <a:lvl5pPr algn="ctr" rtl="0" eaLnBrk="1" fontAlgn="base" hangingPunct="1">
-        <a:spcBef>
-          <a:spcPct val="0"/>
-        </a:spcBef>
-        <a:spcAft>
-          <a:spcPct val="0"/>
-        </a:spcAft>
-        <a:defRPr sz="4400">
-          <a:solidFill>
-            <a:schemeClr val="tx1"/>
-          </a:solidFill>
-          <a:latin typeface="Calibri" pitchFamily="34" charset="0"/>
-        </a:defRPr>
-      </a:lvl5pPr>
-      <a:lvl6pPr marL="457200" algn="ctr" rtl="0" eaLnBrk="1" fontAlgn="base" hangingPunct="1">
-        <a:spcBef>
-          <a:spcPct val="0"/>
-        </a:spcBef>
-        <a:spcAft>
-          <a:spcPct val="0"/>
-        </a:spcAft>
-        <a:defRPr sz="4400">
-          <a:solidFill>
-            <a:schemeClr val="tx1"/>
-          </a:solidFill>
-          <a:latin typeface="Calibri" pitchFamily="34" charset="0"/>
-        </a:defRPr>
-      </a:lvl6pPr>
-      <a:lvl7pPr marL="914400" algn="ctr" rtl="0" eaLnBrk="1" fontAlgn="base" hangingPunct="1">
-        <a:spcBef>
-          <a:spcPct val="0"/>
-        </a:spcBef>
-        <a:spcAft>
-          <a:spcPct val="0"/>
-        </a:spcAft>
-        <a:defRPr sz="4400">
-          <a:solidFill>
-            <a:schemeClr val="tx1"/>
-          </a:solidFill>
-          <a:latin typeface="Calibri" pitchFamily="34" charset="0"/>
-        </a:defRPr>
-      </a:lvl7pPr>
-      <a:lvl8pPr marL="1371600" algn="ctr" rtl="0" eaLnBrk="1" fontAlgn="base" hangingPunct="1">
-        <a:spcBef>
-          <a:spcPct val="0"/>
-        </a:spcBef>
-        <a:spcAft>
-          <a:spcPct val="0"/>
-        </a:spcAft>
-        <a:defRPr sz="4400">
-          <a:solidFill>
-            <a:schemeClr val="tx1"/>
-          </a:solidFill>
-          <a:latin typeface="Calibri" pitchFamily="34" charset="0"/>
-        </a:defRPr>
-      </a:lvl8pPr>
-      <a:lvl9pPr marL="1828800" algn="ctr" rtl="0" eaLnBrk="1" fontAlgn="base" hangingPunct="1">
-        <a:spcBef>
-          <a:spcPct val="0"/>
-        </a:spcBef>
-        <a:spcAft>
-          <a:spcPct val="0"/>
-        </a:spcAft>
-        <a:defRPr sz="4400">
-          <a:solidFill>
-            <a:schemeClr val="tx1"/>
-          </a:solidFill>
-          <a:latin typeface="Calibri" pitchFamily="34" charset="0"/>
-        </a:defRPr>
-      </a:lvl9pPr>
     </p:titleStyle>
     <p:bodyStyle>
-      <a:lvl1pPr marL="342900" indent="-342900" algn="l" rtl="0" eaLnBrk="1" fontAlgn="base" hangingPunct="1">
+      <a:lvl1pPr marL="342900" indent="-342900" algn="l" defTabSz="914400" rtl="0" eaLnBrk="1" latinLnBrk="0" hangingPunct="1">
         <a:spcBef>
           <a:spcPct val="20000"/>
         </a:spcBef>
-        <a:spcAft>
-          <a:spcPct val="0"/>
-        </a:spcAft>
-        <a:buFont typeface="Arial" charset="0"/>
+        <a:buFont typeface="Arial" pitchFamily="34" charset="0"/>
         <a:buChar char="•"/>
         <a:defRPr sz="3200" kern="1200">
           <a:solidFill>
@@ -3133,14 +2910,11 @@
           <a:cs typeface="+mn-cs"/>
         </a:defRPr>
       </a:lvl1pPr>
-      <a:lvl2pPr marL="742950" indent="-285750" algn="l" rtl="0" eaLnBrk="1" fontAlgn="base" hangingPunct="1">
+      <a:lvl2pPr marL="742950" indent="-285750" algn="l" defTabSz="914400" rtl="0" eaLnBrk="1" latinLnBrk="0" hangingPunct="1">
         <a:spcBef>
           <a:spcPct val="20000"/>
         </a:spcBef>
-        <a:spcAft>
-          <a:spcPct val="0"/>
-        </a:spcAft>
-        <a:buFont typeface="Arial" charset="0"/>
+        <a:buFont typeface="Arial" pitchFamily="34" charset="0"/>
         <a:buChar char="–"/>
         <a:defRPr sz="2800" kern="1200">
           <a:solidFill>
@@ -3151,14 +2925,11 @@
           <a:cs typeface="+mn-cs"/>
         </a:defRPr>
       </a:lvl2pPr>
-      <a:lvl3pPr marL="1143000" indent="-228600" algn="l" rtl="0" eaLnBrk="1" fontAlgn="base" hangingPunct="1">
+      <a:lvl3pPr marL="1143000" indent="-228600" algn="l" defTabSz="914400" rtl="0" eaLnBrk="1" latinLnBrk="0" hangingPunct="1">
         <a:spcBef>
           <a:spcPct val="20000"/>
         </a:spcBef>
-        <a:spcAft>
-          <a:spcPct val="0"/>
-        </a:spcAft>
-        <a:buFont typeface="Arial" charset="0"/>
+        <a:buFont typeface="Arial" pitchFamily="34" charset="0"/>
         <a:buChar char="•"/>
         <a:defRPr sz="2400" kern="1200">
           <a:solidFill>
@@ -3169,14 +2940,11 @@
           <a:cs typeface="+mn-cs"/>
         </a:defRPr>
       </a:lvl3pPr>
-      <a:lvl4pPr marL="1600200" indent="-228600" algn="l" rtl="0" eaLnBrk="1" fontAlgn="base" hangingPunct="1">
+      <a:lvl4pPr marL="1600200" indent="-228600" algn="l" defTabSz="914400" rtl="0" eaLnBrk="1" latinLnBrk="0" hangingPunct="1">
         <a:spcBef>
           <a:spcPct val="20000"/>
         </a:spcBef>
-        <a:spcAft>
-          <a:spcPct val="0"/>
-        </a:spcAft>
-        <a:buFont typeface="Arial" charset="0"/>
+        <a:buFont typeface="Arial" pitchFamily="34" charset="0"/>
         <a:buChar char="–"/>
         <a:defRPr sz="2000" kern="1200">
           <a:solidFill>
@@ -3187,14 +2955,11 @@
           <a:cs typeface="+mn-cs"/>
         </a:defRPr>
       </a:lvl4pPr>
-      <a:lvl5pPr marL="2057400" indent="-228600" algn="l" rtl="0" eaLnBrk="1" fontAlgn="base" hangingPunct="1">
+      <a:lvl5pPr marL="2057400" indent="-228600" algn="l" defTabSz="914400" rtl="0" eaLnBrk="1" latinLnBrk="0" hangingPunct="1">
         <a:spcBef>
           <a:spcPct val="20000"/>
         </a:spcBef>
-        <a:spcAft>
-          <a:spcPct val="0"/>
-        </a:spcAft>
-        <a:buFont typeface="Arial" charset="0"/>
+        <a:buFont typeface="Arial" pitchFamily="34" charset="0"/>
         <a:buChar char="»"/>
         <a:defRPr sz="2000" kern="1200">
           <a:solidFill>
@@ -3268,7 +3033,7 @@
     </p:bodyStyle>
     <p:otherStyle>
       <a:defPPr>
-        <a:defRPr lang="en-US"/>
+        <a:defRPr lang="zh-TW"/>
       </a:defPPr>
       <a:lvl1pPr marL="0" algn="l" defTabSz="914400" rtl="0" eaLnBrk="1" latinLnBrk="0" hangingPunct="1">
         <a:defRPr sz="1800" kern="1200">
@@ -3399,22 +3164,19 @@
           <a:p>
             <a:pPr lvl="0"/>
             <a:r>
-              <a:rPr kumimoji="1" lang="zh-TW" altLang="en-US" dirty="0" smtClean="0">
+              <a:rPr kumimoji="1" lang="zh-TW" altLang="en-US" b="1" dirty="0" smtClean="0">
                 <a:solidFill>
                   <a:schemeClr val="tx1"/>
                 </a:solidFill>
-                <a:latin typeface="Times New Roman" pitchFamily="18" charset="0"/>
-                <a:ea typeface="新細明體" pitchFamily="18" charset="-120"/>
+                <a:latin typeface="Microsoft JhengHei" panose="020B0604030504040204" pitchFamily="34" charset="-120"/>
+                <a:ea typeface="Microsoft JhengHei" panose="020B0604030504040204" pitchFamily="34" charset="-120"/>
                 <a:cs typeface="全真行書" pitchFamily="49" charset="-120"/>
               </a:rPr>
               <a:t>一件禮物</a:t>
             </a:r>
-            <a:endParaRPr kumimoji="1" lang="zh-TW" altLang="en-US" sz="700" dirty="0" smtClean="0">
-              <a:solidFill>
-                <a:schemeClr val="tx1"/>
-              </a:solidFill>
-              <a:latin typeface="Arial" pitchFamily="34" charset="0"/>
-              <a:ea typeface="新細明體" pitchFamily="18" charset="-120"/>
+            <a:endParaRPr kumimoji="1" lang="zh-TW" altLang="en-US" sz="700" b="1" dirty="0">
+              <a:latin typeface="Microsoft JhengHei" panose="020B0604030504040204" pitchFamily="34" charset="-120"/>
+              <a:ea typeface="Microsoft JhengHei" panose="020B0604030504040204" pitchFamily="34" charset="-120"/>
               <a:cs typeface="新細明體" pitchFamily="18" charset="-120"/>
             </a:endParaRPr>
           </a:p>
@@ -3435,148 +3197,167 @@
           <a:bodyPr/>
           <a:lstStyle/>
           <a:p>
-            <a:pPr marL="0" lvl="0" indent="0" algn="ctr" eaLnBrk="0" hangingPunct="0">
+            <a:pPr marL="0" indent="0" algn="ctr" eaLnBrk="0" hangingPunct="0">
               <a:spcBef>
                 <a:spcPct val="0"/>
               </a:spcBef>
               <a:buNone/>
             </a:pPr>
             <a:r>
-              <a:rPr kumimoji="1" lang="zh-TW" altLang="en-US" sz="5400" dirty="0" smtClean="0">
-                <a:latin typeface="Times New Roman" pitchFamily="18" charset="0"/>
-                <a:ea typeface="新細明體" pitchFamily="18" charset="-120"/>
+              <a:rPr kumimoji="1" lang="zh-TW" altLang="en-US" sz="5400" b="1" dirty="0">
+                <a:latin typeface="Microsoft JhengHei" panose="020B0604030504040204" pitchFamily="34" charset="-120"/>
+                <a:ea typeface="Microsoft JhengHei" panose="020B0604030504040204" pitchFamily="34" charset="-120"/>
                 <a:cs typeface="全真楷書" pitchFamily="49" charset="-120"/>
               </a:rPr>
               <a:t>有一件禮物</a:t>
             </a:r>
             <a:r>
-              <a:rPr kumimoji="1" lang="en-US" altLang="zh-TW" sz="5400" dirty="0" smtClean="0">
-                <a:latin typeface="Times New Roman" pitchFamily="18" charset="0"/>
-                <a:ea typeface="新細明體" pitchFamily="18" charset="-120"/>
+              <a:rPr kumimoji="1" lang="en-US" altLang="zh-TW" sz="5400" b="1" dirty="0">
+                <a:latin typeface="Microsoft JhengHei" panose="020B0604030504040204" pitchFamily="34" charset="-120"/>
+                <a:ea typeface="Microsoft JhengHei" panose="020B0604030504040204" pitchFamily="34" charset="-120"/>
                 <a:cs typeface="全真楷書" pitchFamily="49" charset="-120"/>
               </a:rPr>
               <a:t>  </a:t>
             </a:r>
             <a:r>
-              <a:rPr kumimoji="1" lang="zh-TW" altLang="en-US" sz="5400" dirty="0" smtClean="0">
-                <a:latin typeface="Times New Roman" pitchFamily="18" charset="0"/>
-                <a:ea typeface="新細明體" pitchFamily="18" charset="-120"/>
-                <a:cs typeface="全真楷書" pitchFamily="49" charset="-120"/>
-              </a:rPr>
-              <a:t>你收到沒有</a:t>
-            </a:r>
-            <a:endParaRPr kumimoji="1" lang="en-US" altLang="zh-TW" sz="5400" dirty="0" smtClean="0">
-              <a:latin typeface="Times New Roman" pitchFamily="18" charset="0"/>
-              <a:ea typeface="新細明體" pitchFamily="18" charset="-120"/>
+              <a:rPr kumimoji="1" lang="zh-TW" altLang="en-US" sz="5400" b="1" dirty="0">
+                <a:latin typeface="Microsoft JhengHei" panose="020B0604030504040204" pitchFamily="34" charset="-120"/>
+                <a:ea typeface="Microsoft JhengHei" panose="020B0604030504040204" pitchFamily="34" charset="-120"/>
+                <a:cs typeface="全真楷書" pitchFamily="49" charset="-120"/>
+              </a:rPr>
+              <a:t>你收到沒</a:t>
+            </a:r>
+            <a:r>
+              <a:rPr kumimoji="1" lang="zh-TW" altLang="en-US" sz="5400" b="1" dirty="0" smtClean="0">
+                <a:latin typeface="Microsoft JhengHei" panose="020B0604030504040204" pitchFamily="34" charset="-120"/>
+                <a:ea typeface="Microsoft JhengHei" panose="020B0604030504040204" pitchFamily="34" charset="-120"/>
+                <a:cs typeface="全真楷書" pitchFamily="49" charset="-120"/>
+              </a:rPr>
+              <a:t>有</a:t>
+            </a:r>
+            <a:endParaRPr kumimoji="1" lang="en-US" altLang="zh-TW" sz="5400" b="1" dirty="0" smtClean="0">
+              <a:latin typeface="Microsoft JhengHei" panose="020B0604030504040204" pitchFamily="34" charset="-120"/>
+              <a:ea typeface="Microsoft JhengHei" panose="020B0604030504040204" pitchFamily="34" charset="-120"/>
               <a:cs typeface="全真楷書" pitchFamily="49" charset="-120"/>
             </a:endParaRPr>
           </a:p>
           <a:p>
-            <a:pPr marL="0" lvl="0" indent="0" algn="ctr" eaLnBrk="0" hangingPunct="0">
+            <a:pPr marL="0" indent="0" algn="ctr" eaLnBrk="0" hangingPunct="0">
               <a:spcBef>
                 <a:spcPct val="0"/>
               </a:spcBef>
               <a:buNone/>
             </a:pPr>
             <a:r>
-              <a:rPr kumimoji="1" lang="zh-TW" altLang="en-US" sz="5400" dirty="0" smtClean="0">
-                <a:latin typeface="Times New Roman" pitchFamily="18" charset="0"/>
-                <a:ea typeface="新細明體" pitchFamily="18" charset="-120"/>
-                <a:cs typeface="全真楷書" pitchFamily="49" charset="-120"/>
-              </a:rPr>
-              <a:t>眼睛看不到</a:t>
-            </a:r>
-            <a:r>
-              <a:rPr kumimoji="1" lang="en-US" altLang="zh-TW" sz="5400" dirty="0" smtClean="0">
-                <a:latin typeface="Times New Roman" pitchFamily="18" charset="0"/>
-                <a:ea typeface="新細明體" pitchFamily="18" charset="-120"/>
+              <a:rPr kumimoji="1" lang="zh-TW" altLang="en-US" sz="5400" b="1" dirty="0" smtClean="0">
+                <a:latin typeface="Microsoft JhengHei" panose="020B0604030504040204" pitchFamily="34" charset="-120"/>
+                <a:ea typeface="Microsoft JhengHei" panose="020B0604030504040204" pitchFamily="34" charset="-120"/>
+                <a:cs typeface="全真楷書" pitchFamily="49" charset="-120"/>
+              </a:rPr>
+              <a:t>眼</a:t>
+            </a:r>
+            <a:r>
+              <a:rPr kumimoji="1" lang="zh-TW" altLang="en-US" sz="5400" b="1" dirty="0">
+                <a:latin typeface="Microsoft JhengHei" panose="020B0604030504040204" pitchFamily="34" charset="-120"/>
+                <a:ea typeface="Microsoft JhengHei" panose="020B0604030504040204" pitchFamily="34" charset="-120"/>
+                <a:cs typeface="全真楷書" pitchFamily="49" charset="-120"/>
+              </a:rPr>
+              <a:t>睛看不到</a:t>
+            </a:r>
+            <a:r>
+              <a:rPr kumimoji="1" lang="en-US" altLang="zh-TW" sz="5400" b="1" dirty="0">
+                <a:latin typeface="Microsoft JhengHei" panose="020B0604030504040204" pitchFamily="34" charset="-120"/>
+                <a:ea typeface="Microsoft JhengHei" panose="020B0604030504040204" pitchFamily="34" charset="-120"/>
                 <a:cs typeface="全真楷書" pitchFamily="49" charset="-120"/>
               </a:rPr>
               <a:t>  </a:t>
             </a:r>
             <a:r>
-              <a:rPr kumimoji="1" lang="zh-TW" altLang="en-US" sz="5400" dirty="0" smtClean="0">
-                <a:latin typeface="Times New Roman" pitchFamily="18" charset="0"/>
-                <a:ea typeface="新細明體" pitchFamily="18" charset="-120"/>
+              <a:rPr kumimoji="1" lang="zh-TW" altLang="en-US" sz="5400" b="1" dirty="0">
+                <a:latin typeface="Microsoft JhengHei" panose="020B0604030504040204" pitchFamily="34" charset="-120"/>
+                <a:ea typeface="Microsoft JhengHei" panose="020B0604030504040204" pitchFamily="34" charset="-120"/>
                 <a:cs typeface="全真楷書" pitchFamily="49" charset="-120"/>
               </a:rPr>
               <a:t>你心會知道</a:t>
             </a:r>
-            <a:endParaRPr kumimoji="1" lang="en-US" altLang="zh-TW" sz="5400" dirty="0" smtClean="0">
-              <a:latin typeface="Times New Roman" pitchFamily="18" charset="0"/>
-              <a:ea typeface="新細明體" pitchFamily="18" charset="-120"/>
+            <a:endParaRPr kumimoji="1" lang="en-US" altLang="zh-TW" sz="5400" b="1" dirty="0">
+              <a:latin typeface="Microsoft JhengHei" panose="020B0604030504040204" pitchFamily="34" charset="-120"/>
+              <a:ea typeface="Microsoft JhengHei" panose="020B0604030504040204" pitchFamily="34" charset="-120"/>
               <a:cs typeface="全真楷書" pitchFamily="49" charset="-120"/>
             </a:endParaRPr>
           </a:p>
           <a:p>
-            <a:pPr marL="0" lvl="0" indent="0" algn="ctr" eaLnBrk="0" hangingPunct="0">
+            <a:pPr marL="0" indent="0" algn="ctr" eaLnBrk="0" hangingPunct="0">
               <a:spcBef>
                 <a:spcPct val="0"/>
               </a:spcBef>
               <a:buNone/>
             </a:pPr>
             <a:r>
-              <a:rPr kumimoji="1" lang="zh-TW" altLang="en-US" sz="5400" dirty="0" smtClean="0">
-                <a:latin typeface="Times New Roman" pitchFamily="18" charset="0"/>
-                <a:ea typeface="新細明體" pitchFamily="18" charset="-120"/>
+              <a:rPr kumimoji="1" lang="zh-TW" altLang="en-US" sz="5400" b="1" dirty="0">
+                <a:latin typeface="Microsoft JhengHei" panose="020B0604030504040204" pitchFamily="34" charset="-120"/>
+                <a:ea typeface="Microsoft JhengHei" panose="020B0604030504040204" pitchFamily="34" charset="-120"/>
                 <a:cs typeface="全真楷書" pitchFamily="49" charset="-120"/>
               </a:rPr>
               <a:t>這一件禮物</a:t>
             </a:r>
             <a:r>
-              <a:rPr kumimoji="1" lang="en-US" altLang="zh-TW" sz="5400" dirty="0" smtClean="0">
-                <a:latin typeface="Times New Roman" pitchFamily="18" charset="0"/>
-                <a:ea typeface="新細明體" pitchFamily="18" charset="-120"/>
+              <a:rPr kumimoji="1" lang="en-US" altLang="zh-TW" sz="5400" b="1" dirty="0">
+                <a:latin typeface="Microsoft JhengHei" panose="020B0604030504040204" pitchFamily="34" charset="-120"/>
+                <a:ea typeface="Microsoft JhengHei" panose="020B0604030504040204" pitchFamily="34" charset="-120"/>
                 <a:cs typeface="全真楷書" pitchFamily="49" charset="-120"/>
               </a:rPr>
               <a:t>  </a:t>
             </a:r>
             <a:r>
-              <a:rPr kumimoji="1" lang="zh-TW" altLang="en-US" sz="5400" dirty="0" smtClean="0">
-                <a:latin typeface="Times New Roman" pitchFamily="18" charset="0"/>
-                <a:ea typeface="新細明體" pitchFamily="18" charset="-120"/>
+              <a:rPr kumimoji="1" lang="zh-TW" altLang="en-US" sz="5400" b="1" dirty="0">
+                <a:latin typeface="Microsoft JhengHei" panose="020B0604030504040204" pitchFamily="34" charset="-120"/>
+                <a:ea typeface="Microsoft JhengHei" panose="020B0604030504040204" pitchFamily="34" charset="-120"/>
                 <a:cs typeface="全真楷書" pitchFamily="49" charset="-120"/>
               </a:rPr>
               <a:t>心門外等候</a:t>
             </a:r>
-            <a:endParaRPr kumimoji="1" lang="en-US" altLang="zh-TW" sz="5400" dirty="0" smtClean="0">
-              <a:latin typeface="Times New Roman" pitchFamily="18" charset="0"/>
-              <a:ea typeface="新細明體" pitchFamily="18" charset="-120"/>
+            <a:endParaRPr kumimoji="1" lang="en-US" altLang="zh-TW" sz="5400" b="1" dirty="0">
+              <a:latin typeface="Microsoft JhengHei" panose="020B0604030504040204" pitchFamily="34" charset="-120"/>
+              <a:ea typeface="Microsoft JhengHei" panose="020B0604030504040204" pitchFamily="34" charset="-120"/>
               <a:cs typeface="全真楷書" pitchFamily="49" charset="-120"/>
             </a:endParaRPr>
           </a:p>
           <a:p>
-            <a:pPr marL="0" lvl="0" indent="0" algn="ctr" eaLnBrk="0" hangingPunct="0">
+            <a:pPr marL="0" indent="0" algn="ctr" eaLnBrk="0" hangingPunct="0">
               <a:spcBef>
                 <a:spcPct val="0"/>
               </a:spcBef>
               <a:buNone/>
             </a:pPr>
             <a:r>
-              <a:rPr kumimoji="1" lang="zh-TW" altLang="en-US" sz="5400" dirty="0" smtClean="0">
-                <a:latin typeface="Times New Roman" pitchFamily="18" charset="0"/>
-                <a:ea typeface="新細明體" pitchFamily="18" charset="-120"/>
+              <a:rPr kumimoji="1" lang="zh-TW" altLang="en-US" sz="5400" b="1" dirty="0">
+                <a:latin typeface="Microsoft JhengHei" panose="020B0604030504040204" pitchFamily="34" charset="-120"/>
+                <a:ea typeface="Microsoft JhengHei" panose="020B0604030504040204" pitchFamily="34" charset="-120"/>
                 <a:cs typeface="全真楷書" pitchFamily="49" charset="-120"/>
               </a:rPr>
               <a:t>是為了你準備</a:t>
             </a:r>
             <a:r>
-              <a:rPr kumimoji="1" lang="en-US" altLang="zh-TW" sz="5400" dirty="0" smtClean="0">
-                <a:latin typeface="Times New Roman" pitchFamily="18" charset="0"/>
-                <a:ea typeface="新細明體" pitchFamily="18" charset="-120"/>
+              <a:rPr kumimoji="1" lang="en-US" altLang="zh-TW" sz="5400" b="1" dirty="0">
+                <a:latin typeface="Microsoft JhengHei" panose="020B0604030504040204" pitchFamily="34" charset="-120"/>
+                <a:ea typeface="Microsoft JhengHei" panose="020B0604030504040204" pitchFamily="34" charset="-120"/>
                 <a:cs typeface="全真楷書" pitchFamily="49" charset="-120"/>
               </a:rPr>
               <a:t>  </a:t>
             </a:r>
             <a:r>
-              <a:rPr kumimoji="1" lang="zh-TW" altLang="en-US" sz="5400" dirty="0" smtClean="0">
-                <a:latin typeface="Times New Roman" pitchFamily="18" charset="0"/>
-                <a:ea typeface="新細明體" pitchFamily="18" charset="-120"/>
+              <a:rPr kumimoji="1" lang="zh-TW" altLang="en-US" sz="5400" b="1" dirty="0">
+                <a:latin typeface="Microsoft JhengHei" panose="020B0604030504040204" pitchFamily="34" charset="-120"/>
+                <a:ea typeface="Microsoft JhengHei" panose="020B0604030504040204" pitchFamily="34" charset="-120"/>
                 <a:cs typeface="全真楷書" pitchFamily="49" charset="-120"/>
               </a:rPr>
               <a:t>別人不能收</a:t>
             </a:r>
-            <a:endParaRPr lang="zh-TW" altLang="en-US" sz="5400" dirty="0"/>
+            <a:endParaRPr lang="zh-TW" altLang="en-US" sz="5400" b="1" dirty="0">
+              <a:latin typeface="Microsoft JhengHei" panose="020B0604030504040204" pitchFamily="34" charset="-120"/>
+              <a:ea typeface="Microsoft JhengHei" panose="020B0604030504040204" pitchFamily="34" charset="-120"/>
+            </a:endParaRPr>
           </a:p>
         </p:txBody>
       </p:sp>
@@ -3617,28 +3398,24 @@
         </p:nvSpPr>
         <p:spPr/>
         <p:txBody>
-          <a:bodyPr/>
+          <a:bodyPr>
+            <a:normAutofit/>
+          </a:bodyPr>
           <a:lstStyle/>
           <a:p>
             <a:pPr lvl="0"/>
             <a:r>
-              <a:rPr kumimoji="1" lang="zh-TW" altLang="en-US" dirty="0" smtClean="0">
-                <a:solidFill>
-                  <a:schemeClr val="tx1"/>
-                </a:solidFill>
-                <a:latin typeface="Times New Roman" pitchFamily="18" charset="0"/>
-                <a:ea typeface="新細明體" pitchFamily="18" charset="-120"/>
+              <a:rPr kumimoji="1" lang="zh-TW" altLang="en-US" b="1" dirty="0">
+                <a:latin typeface="Microsoft JhengHei" panose="020B0604030504040204" pitchFamily="34" charset="-120"/>
+                <a:ea typeface="Microsoft JhengHei" panose="020B0604030504040204" pitchFamily="34" charset="-120"/>
                 <a:cs typeface="全真行書" pitchFamily="49" charset="-120"/>
               </a:rPr>
               <a:t>一件禮物</a:t>
             </a:r>
-            <a:endParaRPr kumimoji="1" lang="zh-TW" altLang="en-US" sz="700" dirty="0" smtClean="0">
-              <a:solidFill>
-                <a:schemeClr val="tx1"/>
-              </a:solidFill>
-              <a:latin typeface="Arial" pitchFamily="34" charset="0"/>
-              <a:ea typeface="新細明體" pitchFamily="18" charset="-120"/>
-              <a:cs typeface="新細明體" pitchFamily="18" charset="-120"/>
+            <a:endParaRPr kumimoji="1" lang="zh-TW" altLang="en-US" b="1" dirty="0">
+              <a:latin typeface="Microsoft JhengHei" panose="020B0604030504040204" pitchFamily="34" charset="-120"/>
+              <a:ea typeface="Microsoft JhengHei" panose="020B0604030504040204" pitchFamily="34" charset="-120"/>
+              <a:cs typeface="全真行書" pitchFamily="49" charset="-120"/>
             </a:endParaRPr>
           </a:p>
         </p:txBody>
@@ -3655,7 +3432,9 @@
         </p:nvSpPr>
         <p:spPr/>
         <p:txBody>
-          <a:bodyPr/>
+          <a:bodyPr>
+            <a:normAutofit/>
+          </a:bodyPr>
           <a:lstStyle/>
           <a:p>
             <a:pPr marL="0" indent="0" algn="ctr" eaLnBrk="0" hangingPunct="0">
@@ -3665,32 +3444,32 @@
               <a:buNone/>
             </a:pPr>
             <a:r>
-              <a:rPr kumimoji="1" lang="zh-TW" altLang="en-US" sz="5400" dirty="0" smtClean="0">
-                <a:latin typeface="Times New Roman" pitchFamily="18" charset="0"/>
-                <a:ea typeface="新細明體" pitchFamily="18" charset="-120"/>
+              <a:rPr kumimoji="1" lang="zh-TW" altLang="en-US" sz="5400" b="1" dirty="0">
+                <a:latin typeface="Microsoft JhengHei" panose="020B0604030504040204" pitchFamily="34" charset="-120"/>
+                <a:ea typeface="Microsoft JhengHei" panose="020B0604030504040204" pitchFamily="34" charset="-120"/>
                 <a:cs typeface="全真楷書" pitchFamily="49" charset="-120"/>
               </a:rPr>
               <a:t>生命有限</a:t>
             </a:r>
             <a:r>
-              <a:rPr kumimoji="1" lang="en-US" altLang="zh-TW" sz="5400" dirty="0" smtClean="0">
-                <a:latin typeface="Times New Roman" pitchFamily="18" charset="0"/>
-                <a:ea typeface="新細明體" pitchFamily="18" charset="-120"/>
+              <a:rPr kumimoji="1" lang="en-US" altLang="zh-TW" sz="5400" b="1" dirty="0">
+                <a:latin typeface="Microsoft JhengHei" panose="020B0604030504040204" pitchFamily="34" charset="-120"/>
+                <a:ea typeface="Microsoft JhengHei" panose="020B0604030504040204" pitchFamily="34" charset="-120"/>
                 <a:cs typeface="全真楷書" pitchFamily="49" charset="-120"/>
               </a:rPr>
               <a:t>  </a:t>
             </a:r>
             <a:r>
-              <a:rPr kumimoji="1" lang="zh-TW" altLang="en-US" sz="5400" dirty="0" smtClean="0">
-                <a:latin typeface="Times New Roman" pitchFamily="18" charset="0"/>
-                <a:ea typeface="新細明體" pitchFamily="18" charset="-120"/>
+              <a:rPr kumimoji="1" lang="zh-TW" altLang="en-US" sz="5400" b="1" dirty="0">
+                <a:latin typeface="Microsoft JhengHei" panose="020B0604030504040204" pitchFamily="34" charset="-120"/>
+                <a:ea typeface="Microsoft JhengHei" panose="020B0604030504040204" pitchFamily="34" charset="-120"/>
                 <a:cs typeface="全真楷書" pitchFamily="49" charset="-120"/>
               </a:rPr>
               <a:t>時光也會走</a:t>
             </a:r>
-            <a:endParaRPr kumimoji="1" lang="en-US" altLang="zh-TW" sz="5400" dirty="0" smtClean="0">
-              <a:latin typeface="Times New Roman" pitchFamily="18" charset="0"/>
-              <a:ea typeface="新細明體" pitchFamily="18" charset="-120"/>
+            <a:endParaRPr kumimoji="1" lang="en-US" altLang="zh-TW" sz="5400" b="1" dirty="0">
+              <a:latin typeface="Microsoft JhengHei" panose="020B0604030504040204" pitchFamily="34" charset="-120"/>
+              <a:ea typeface="Microsoft JhengHei" panose="020B0604030504040204" pitchFamily="34" charset="-120"/>
               <a:cs typeface="全真楷書" pitchFamily="49" charset="-120"/>
             </a:endParaRPr>
           </a:p>
@@ -3702,32 +3481,32 @@
               <a:buNone/>
             </a:pPr>
             <a:r>
-              <a:rPr kumimoji="1" lang="zh-TW" altLang="en-US" sz="5400" dirty="0" smtClean="0">
-                <a:latin typeface="Times New Roman" pitchFamily="18" charset="0"/>
-                <a:ea typeface="新細明體" pitchFamily="18" charset="-120"/>
+              <a:rPr kumimoji="1" lang="zh-TW" altLang="en-US" sz="5400" b="1" dirty="0">
+                <a:latin typeface="Microsoft JhengHei" panose="020B0604030504040204" pitchFamily="34" charset="-120"/>
+                <a:ea typeface="Microsoft JhengHei" panose="020B0604030504040204" pitchFamily="34" charset="-120"/>
                 <a:cs typeface="全真楷書" pitchFamily="49" charset="-120"/>
               </a:rPr>
               <a:t>如果你不珍惜</a:t>
             </a:r>
             <a:r>
-              <a:rPr kumimoji="1" lang="en-US" altLang="zh-TW" sz="5400" dirty="0" smtClean="0">
-                <a:latin typeface="Times New Roman" pitchFamily="18" charset="0"/>
-                <a:ea typeface="新細明體" pitchFamily="18" charset="-120"/>
+              <a:rPr kumimoji="1" lang="en-US" altLang="zh-TW" sz="5400" b="1" dirty="0">
+                <a:latin typeface="Microsoft JhengHei" panose="020B0604030504040204" pitchFamily="34" charset="-120"/>
+                <a:ea typeface="Microsoft JhengHei" panose="020B0604030504040204" pitchFamily="34" charset="-120"/>
                 <a:cs typeface="全真楷書" pitchFamily="49" charset="-120"/>
               </a:rPr>
               <a:t>  </a:t>
             </a:r>
             <a:r>
-              <a:rPr kumimoji="1" lang="zh-TW" altLang="en-US" sz="5400" dirty="0" smtClean="0">
-                <a:latin typeface="Times New Roman" pitchFamily="18" charset="0"/>
-                <a:ea typeface="新細明體" pitchFamily="18" charset="-120"/>
+              <a:rPr kumimoji="1" lang="zh-TW" altLang="en-US" sz="5400" b="1" dirty="0">
+                <a:latin typeface="Microsoft JhengHei" panose="020B0604030504040204" pitchFamily="34" charset="-120"/>
+                <a:ea typeface="Microsoft JhengHei" panose="020B0604030504040204" pitchFamily="34" charset="-120"/>
                 <a:cs typeface="全真楷書" pitchFamily="49" charset="-120"/>
               </a:rPr>
               <a:t>機會難留</a:t>
             </a:r>
-            <a:endParaRPr kumimoji="1" lang="en-US" altLang="zh-TW" sz="5400" dirty="0" smtClean="0">
-              <a:latin typeface="Times New Roman" pitchFamily="18" charset="0"/>
-              <a:ea typeface="新細明體" pitchFamily="18" charset="-120"/>
+            <a:endParaRPr kumimoji="1" lang="en-US" altLang="zh-TW" sz="5400" b="1" dirty="0">
+              <a:latin typeface="Microsoft JhengHei" panose="020B0604030504040204" pitchFamily="34" charset="-120"/>
+              <a:ea typeface="Microsoft JhengHei" panose="020B0604030504040204" pitchFamily="34" charset="-120"/>
               <a:cs typeface="全真楷書" pitchFamily="49" charset="-120"/>
             </a:endParaRPr>
           </a:p>
@@ -3739,32 +3518,32 @@
               <a:buNone/>
             </a:pPr>
             <a:r>
-              <a:rPr kumimoji="1" lang="zh-TW" altLang="en-US" sz="5400" dirty="0" smtClean="0">
-                <a:latin typeface="Times New Roman" pitchFamily="18" charset="0"/>
-                <a:ea typeface="新細明體" pitchFamily="18" charset="-120"/>
+              <a:rPr kumimoji="1" lang="zh-TW" altLang="en-US" sz="5400" b="1" dirty="0">
+                <a:latin typeface="Microsoft JhengHei" panose="020B0604030504040204" pitchFamily="34" charset="-120"/>
+                <a:ea typeface="Microsoft JhengHei" panose="020B0604030504040204" pitchFamily="34" charset="-120"/>
                 <a:cs typeface="全真楷書" pitchFamily="49" charset="-120"/>
               </a:rPr>
               <a:t>禮物雖然好</a:t>
             </a:r>
             <a:r>
-              <a:rPr kumimoji="1" lang="en-US" altLang="zh-TW" sz="5400" dirty="0" smtClean="0">
-                <a:latin typeface="Times New Roman" pitchFamily="18" charset="0"/>
-                <a:ea typeface="新細明體" pitchFamily="18" charset="-120"/>
+              <a:rPr kumimoji="1" lang="en-US" altLang="zh-TW" sz="5400" b="1" dirty="0">
+                <a:latin typeface="Microsoft JhengHei" panose="020B0604030504040204" pitchFamily="34" charset="-120"/>
+                <a:ea typeface="Microsoft JhengHei" panose="020B0604030504040204" pitchFamily="34" charset="-120"/>
                 <a:cs typeface="全真楷書" pitchFamily="49" charset="-120"/>
               </a:rPr>
               <a:t>  </a:t>
             </a:r>
             <a:r>
-              <a:rPr kumimoji="1" lang="zh-TW" altLang="en-US" sz="5400" dirty="0" smtClean="0">
-                <a:latin typeface="Times New Roman" pitchFamily="18" charset="0"/>
-                <a:ea typeface="新細明體" pitchFamily="18" charset="-120"/>
+              <a:rPr kumimoji="1" lang="zh-TW" altLang="en-US" sz="5400" b="1" dirty="0">
+                <a:latin typeface="Microsoft JhengHei" panose="020B0604030504040204" pitchFamily="34" charset="-120"/>
+                <a:ea typeface="Microsoft JhengHei" panose="020B0604030504040204" pitchFamily="34" charset="-120"/>
                 <a:cs typeface="全真楷書" pitchFamily="49" charset="-120"/>
               </a:rPr>
               <a:t>如果你不要</a:t>
             </a:r>
-            <a:endParaRPr kumimoji="1" lang="en-US" altLang="zh-TW" sz="5400" dirty="0" smtClean="0">
-              <a:latin typeface="Times New Roman" pitchFamily="18" charset="0"/>
-              <a:ea typeface="新細明體" pitchFamily="18" charset="-120"/>
+            <a:endParaRPr kumimoji="1" lang="en-US" altLang="zh-TW" sz="5400" b="1" dirty="0">
+              <a:latin typeface="Microsoft JhengHei" panose="020B0604030504040204" pitchFamily="34" charset="-120"/>
+              <a:ea typeface="Microsoft JhengHei" panose="020B0604030504040204" pitchFamily="34" charset="-120"/>
               <a:cs typeface="全真楷書" pitchFamily="49" charset="-120"/>
             </a:endParaRPr>
           </a:p>
@@ -3776,16 +3555,16 @@
               <a:buNone/>
             </a:pPr>
             <a:r>
-              <a:rPr kumimoji="1" lang="zh-TW" altLang="en-US" sz="5400" dirty="0" smtClean="0">
-                <a:latin typeface="Times New Roman" pitchFamily="18" charset="0"/>
-                <a:ea typeface="新細明體" pitchFamily="18" charset="-120"/>
+              <a:rPr kumimoji="1" lang="zh-TW" altLang="en-US" sz="5400" b="1" dirty="0">
+                <a:latin typeface="Microsoft JhengHei" panose="020B0604030504040204" pitchFamily="34" charset="-120"/>
+                <a:ea typeface="Microsoft JhengHei" panose="020B0604030504040204" pitchFamily="34" charset="-120"/>
                 <a:cs typeface="全真楷書" pitchFamily="49" charset="-120"/>
               </a:rPr>
               <a:t>你怎麼能夠得到</a:t>
             </a:r>
-            <a:endParaRPr kumimoji="1" lang="en-US" altLang="zh-TW" sz="5400" dirty="0" smtClean="0">
-              <a:latin typeface="Times New Roman" pitchFamily="18" charset="0"/>
-              <a:ea typeface="新細明體" pitchFamily="18" charset="-120"/>
+            <a:endParaRPr kumimoji="1" lang="en-US" altLang="zh-TW" sz="5400" b="1" dirty="0">
+              <a:latin typeface="Microsoft JhengHei" panose="020B0604030504040204" pitchFamily="34" charset="-120"/>
+              <a:ea typeface="Microsoft JhengHei" panose="020B0604030504040204" pitchFamily="34" charset="-120"/>
               <a:cs typeface="全真楷書" pitchFamily="49" charset="-120"/>
             </a:endParaRPr>
           </a:p>
@@ -3797,34 +3576,13 @@
               <a:buNone/>
             </a:pPr>
             <a:r>
-              <a:rPr kumimoji="1" lang="zh-TW" altLang="en-US" sz="5400" dirty="0" smtClean="0">
-                <a:latin typeface="Times New Roman" pitchFamily="18" charset="0"/>
-                <a:ea typeface="新細明體" pitchFamily="18" charset="-120"/>
-                <a:cs typeface="全真楷書" pitchFamily="49" charset="-120"/>
-              </a:rPr>
-              <a:t>怎麼</a:t>
-            </a:r>
-            <a:r>
-              <a:rPr kumimoji="1" lang="zh-TW" altLang="en-US" sz="5400" smtClean="0">
-                <a:latin typeface="Times New Roman" pitchFamily="18" charset="0"/>
-                <a:ea typeface="新細明體" pitchFamily="18" charset="-120"/>
-                <a:cs typeface="全真楷書" pitchFamily="49" charset="-120"/>
-              </a:rPr>
-              <a:t>能</a:t>
-            </a:r>
-            <a:r>
-              <a:rPr kumimoji="1" lang="zh-TW" altLang="en-US" sz="5400" smtClean="0">
-                <a:latin typeface="Times New Roman" pitchFamily="18" charset="0"/>
-                <a:ea typeface="新細明體" pitchFamily="18" charset="-120"/>
-                <a:cs typeface="全真楷書" pitchFamily="49" charset="-120"/>
-              </a:rPr>
-              <a:t>得到</a:t>
-            </a:r>
-            <a:endParaRPr kumimoji="1" lang="zh-TW" altLang="en-US" sz="5400" dirty="0" smtClean="0">
-              <a:latin typeface="Times New Roman" pitchFamily="18" charset="0"/>
-              <a:ea typeface="新細明體" pitchFamily="18" charset="-120"/>
-              <a:cs typeface="全真楷書" pitchFamily="49" charset="-120"/>
-            </a:endParaRPr>
+              <a:rPr kumimoji="1" lang="zh-TW" altLang="en-US" sz="5400" b="1" dirty="0">
+                <a:latin typeface="Microsoft JhengHei" panose="020B0604030504040204" pitchFamily="34" charset="-120"/>
+                <a:ea typeface="Microsoft JhengHei" panose="020B0604030504040204" pitchFamily="34" charset="-120"/>
+                <a:cs typeface="全真楷書" pitchFamily="49" charset="-120"/>
+              </a:rPr>
+              <a:t>怎麼能得到</a:t>
+            </a:r>
           </a:p>
         </p:txBody>
       </p:sp>
@@ -3865,28 +3623,23 @@
         </p:nvSpPr>
         <p:spPr/>
         <p:txBody>
-          <a:bodyPr/>
-          <a:lstStyle/>
-          <a:p>
-            <a:pPr lvl="0"/>
-            <a:r>
-              <a:rPr kumimoji="1" lang="zh-TW" altLang="en-US" dirty="0" smtClean="0">
-                <a:solidFill>
-                  <a:schemeClr val="tx1"/>
-                </a:solidFill>
-                <a:latin typeface="Times New Roman" pitchFamily="18" charset="0"/>
-                <a:ea typeface="新細明體" pitchFamily="18" charset="-120"/>
+          <a:bodyPr>
+            <a:normAutofit/>
+          </a:bodyPr>
+          <a:lstStyle/>
+          <a:p>
+            <a:r>
+              <a:rPr kumimoji="1" lang="zh-TW" altLang="en-US" b="1" dirty="0">
+                <a:latin typeface="Microsoft JhengHei" panose="020B0604030504040204" pitchFamily="34" charset="-120"/>
+                <a:ea typeface="Microsoft JhengHei" panose="020B0604030504040204" pitchFamily="34" charset="-120"/>
                 <a:cs typeface="全真行書" pitchFamily="49" charset="-120"/>
               </a:rPr>
               <a:t>一件禮物</a:t>
             </a:r>
-            <a:endParaRPr kumimoji="1" lang="zh-TW" altLang="en-US" sz="700" dirty="0" smtClean="0">
-              <a:solidFill>
-                <a:schemeClr val="tx1"/>
-              </a:solidFill>
-              <a:latin typeface="Arial" pitchFamily="34" charset="0"/>
-              <a:ea typeface="新細明體" pitchFamily="18" charset="-120"/>
-              <a:cs typeface="新細明體" pitchFamily="18" charset="-120"/>
+            <a:endParaRPr kumimoji="1" lang="zh-TW" altLang="en-US" b="1" dirty="0">
+              <a:latin typeface="Microsoft JhengHei" panose="020B0604030504040204" pitchFamily="34" charset="-120"/>
+              <a:ea typeface="Microsoft JhengHei" panose="020B0604030504040204" pitchFamily="34" charset="-120"/>
+              <a:cs typeface="全真行書" pitchFamily="49" charset="-120"/>
             </a:endParaRPr>
           </a:p>
         </p:txBody>
@@ -3903,137 +3656,139 @@
         </p:nvSpPr>
         <p:spPr/>
         <p:txBody>
-          <a:bodyPr/>
-          <a:lstStyle/>
-          <a:p>
-            <a:pPr marL="0" lvl="0" indent="0" algn="ctr" eaLnBrk="0" hangingPunct="0">
+          <a:bodyPr>
+            <a:normAutofit/>
+          </a:bodyPr>
+          <a:lstStyle/>
+          <a:p>
+            <a:pPr marL="0" indent="0" algn="ctr" eaLnBrk="0" hangingPunct="0">
               <a:spcBef>
                 <a:spcPct val="0"/>
               </a:spcBef>
               <a:buNone/>
             </a:pPr>
             <a:r>
-              <a:rPr kumimoji="1" lang="zh-TW" altLang="en-US" sz="5400" dirty="0" smtClean="0">
-                <a:latin typeface="Times New Roman" pitchFamily="18" charset="0"/>
-                <a:ea typeface="新細明體" pitchFamily="18" charset="-120"/>
+              <a:rPr kumimoji="1" lang="zh-TW" altLang="en-US" sz="5400" b="1" dirty="0">
+                <a:latin typeface="Microsoft JhengHei" panose="020B0604030504040204" pitchFamily="34" charset="-120"/>
+                <a:ea typeface="Microsoft JhengHei" panose="020B0604030504040204" pitchFamily="34" charset="-120"/>
                 <a:cs typeface="全真楷書" pitchFamily="49" charset="-120"/>
               </a:rPr>
               <a:t>親愛的朋友</a:t>
             </a:r>
             <a:r>
-              <a:rPr kumimoji="1" lang="en-US" altLang="zh-TW" sz="5400" dirty="0" smtClean="0">
-                <a:latin typeface="Times New Roman" pitchFamily="18" charset="0"/>
-                <a:ea typeface="新細明體" pitchFamily="18" charset="-120"/>
+              <a:rPr kumimoji="1" lang="en-US" altLang="zh-TW" sz="5400" b="1" dirty="0">
+                <a:latin typeface="Microsoft JhengHei" panose="020B0604030504040204" pitchFamily="34" charset="-120"/>
+                <a:ea typeface="Microsoft JhengHei" panose="020B0604030504040204" pitchFamily="34" charset="-120"/>
                 <a:cs typeface="全真楷書" pitchFamily="49" charset="-120"/>
               </a:rPr>
               <a:t>  </a:t>
             </a:r>
             <a:r>
-              <a:rPr kumimoji="1" lang="zh-TW" altLang="en-US" sz="5400" dirty="0" smtClean="0">
-                <a:latin typeface="Times New Roman" pitchFamily="18" charset="0"/>
-                <a:ea typeface="新細明體" pitchFamily="18" charset="-120"/>
+              <a:rPr kumimoji="1" lang="zh-TW" altLang="en-US" sz="5400" b="1" dirty="0">
+                <a:latin typeface="Microsoft JhengHei" panose="020B0604030504040204" pitchFamily="34" charset="-120"/>
+                <a:ea typeface="Microsoft JhengHei" panose="020B0604030504040204" pitchFamily="34" charset="-120"/>
                 <a:cs typeface="全真楷書" pitchFamily="49" charset="-120"/>
               </a:rPr>
               <a:t>你是否了解</a:t>
             </a:r>
-            <a:endParaRPr kumimoji="1" lang="en-US" altLang="zh-TW" sz="5400" dirty="0" smtClean="0">
-              <a:latin typeface="Times New Roman" pitchFamily="18" charset="0"/>
-              <a:ea typeface="新細明體" pitchFamily="18" charset="-120"/>
+            <a:endParaRPr kumimoji="1" lang="en-US" altLang="zh-TW" sz="5400" b="1" dirty="0">
+              <a:latin typeface="Microsoft JhengHei" panose="020B0604030504040204" pitchFamily="34" charset="-120"/>
+              <a:ea typeface="Microsoft JhengHei" panose="020B0604030504040204" pitchFamily="34" charset="-120"/>
               <a:cs typeface="全真楷書" pitchFamily="49" charset="-120"/>
             </a:endParaRPr>
           </a:p>
           <a:p>
-            <a:pPr marL="0" lvl="0" indent="0" algn="ctr" eaLnBrk="0" hangingPunct="0">
+            <a:pPr marL="0" indent="0" algn="ctr" eaLnBrk="0" hangingPunct="0">
               <a:spcBef>
                 <a:spcPct val="0"/>
               </a:spcBef>
               <a:buNone/>
             </a:pPr>
             <a:r>
-              <a:rPr kumimoji="1" lang="zh-TW" altLang="en-US" sz="5400" dirty="0" smtClean="0">
-                <a:latin typeface="Times New Roman" pitchFamily="18" charset="0"/>
-                <a:ea typeface="新細明體" pitchFamily="18" charset="-120"/>
+              <a:rPr kumimoji="1" lang="zh-TW" altLang="en-US" sz="5400" b="1" dirty="0">
+                <a:latin typeface="Microsoft JhengHei" panose="020B0604030504040204" pitchFamily="34" charset="-120"/>
+                <a:ea typeface="Microsoft JhengHei" panose="020B0604030504040204" pitchFamily="34" charset="-120"/>
                 <a:cs typeface="全真楷書" pitchFamily="49" charset="-120"/>
               </a:rPr>
               <a:t>馬槽的嬰孩</a:t>
             </a:r>
             <a:r>
-              <a:rPr kumimoji="1" lang="en-US" altLang="zh-TW" sz="5400" dirty="0" smtClean="0">
-                <a:latin typeface="Times New Roman" pitchFamily="18" charset="0"/>
-                <a:ea typeface="新細明體" pitchFamily="18" charset="-120"/>
+              <a:rPr kumimoji="1" lang="en-US" altLang="zh-TW" sz="5400" b="1" dirty="0">
+                <a:latin typeface="Microsoft JhengHei" panose="020B0604030504040204" pitchFamily="34" charset="-120"/>
+                <a:ea typeface="Microsoft JhengHei" panose="020B0604030504040204" pitchFamily="34" charset="-120"/>
                 <a:cs typeface="全真楷書" pitchFamily="49" charset="-120"/>
               </a:rPr>
               <a:t>  </a:t>
             </a:r>
             <a:r>
-              <a:rPr kumimoji="1" lang="zh-TW" altLang="en-US" sz="5400" dirty="0" smtClean="0">
-                <a:latin typeface="Times New Roman" pitchFamily="18" charset="0"/>
-                <a:ea typeface="新細明體" pitchFamily="18" charset="-120"/>
+              <a:rPr kumimoji="1" lang="zh-TW" altLang="en-US" sz="5400" b="1" dirty="0">
+                <a:latin typeface="Microsoft JhengHei" panose="020B0604030504040204" pitchFamily="34" charset="-120"/>
+                <a:ea typeface="Microsoft JhengHei" panose="020B0604030504040204" pitchFamily="34" charset="-120"/>
                 <a:cs typeface="全真楷書" pitchFamily="49" charset="-120"/>
               </a:rPr>
               <a:t>是為你而來</a:t>
             </a:r>
-            <a:endParaRPr kumimoji="1" lang="en-US" altLang="zh-TW" sz="5400" dirty="0" smtClean="0">
-              <a:latin typeface="Times New Roman" pitchFamily="18" charset="0"/>
-              <a:ea typeface="新細明體" pitchFamily="18" charset="-120"/>
+            <a:endParaRPr kumimoji="1" lang="en-US" altLang="zh-TW" sz="5400" b="1" dirty="0">
+              <a:latin typeface="Microsoft JhengHei" panose="020B0604030504040204" pitchFamily="34" charset="-120"/>
+              <a:ea typeface="Microsoft JhengHei" panose="020B0604030504040204" pitchFamily="34" charset="-120"/>
               <a:cs typeface="全真楷書" pitchFamily="49" charset="-120"/>
             </a:endParaRPr>
           </a:p>
           <a:p>
-            <a:pPr marL="0" lvl="0" indent="0" algn="ctr" eaLnBrk="0" hangingPunct="0">
+            <a:pPr marL="0" indent="0" algn="ctr" eaLnBrk="0" hangingPunct="0">
               <a:spcBef>
                 <a:spcPct val="0"/>
               </a:spcBef>
               <a:buNone/>
             </a:pPr>
             <a:r>
-              <a:rPr kumimoji="1" lang="zh-TW" altLang="en-US" sz="5400" dirty="0" smtClean="0">
-                <a:latin typeface="Times New Roman" pitchFamily="18" charset="0"/>
-                <a:ea typeface="新細明體" pitchFamily="18" charset="-120"/>
+              <a:rPr kumimoji="1" lang="zh-TW" altLang="en-US" sz="5400" b="1" dirty="0">
+                <a:latin typeface="Microsoft JhengHei" panose="020B0604030504040204" pitchFamily="34" charset="-120"/>
+                <a:ea typeface="Microsoft JhengHei" panose="020B0604030504040204" pitchFamily="34" charset="-120"/>
                 <a:cs typeface="全真楷書" pitchFamily="49" charset="-120"/>
               </a:rPr>
               <a:t>親愛的朋友</a:t>
             </a:r>
             <a:r>
-              <a:rPr kumimoji="1" lang="en-US" altLang="zh-TW" sz="5400" dirty="0" smtClean="0">
-                <a:latin typeface="Times New Roman" pitchFamily="18" charset="0"/>
-                <a:ea typeface="新細明體" pitchFamily="18" charset="-120"/>
+              <a:rPr kumimoji="1" lang="en-US" altLang="zh-TW" sz="5400" b="1" dirty="0">
+                <a:latin typeface="Microsoft JhengHei" panose="020B0604030504040204" pitchFamily="34" charset="-120"/>
+                <a:ea typeface="Microsoft JhengHei" panose="020B0604030504040204" pitchFamily="34" charset="-120"/>
                 <a:cs typeface="全真楷書" pitchFamily="49" charset="-120"/>
               </a:rPr>
               <a:t>  </a:t>
             </a:r>
             <a:r>
-              <a:rPr kumimoji="1" lang="zh-TW" altLang="en-US" sz="5400" dirty="0" smtClean="0">
-                <a:latin typeface="Times New Roman" pitchFamily="18" charset="0"/>
-                <a:ea typeface="新細明體" pitchFamily="18" charset="-120"/>
+              <a:rPr kumimoji="1" lang="zh-TW" altLang="en-US" sz="5400" b="1" dirty="0">
+                <a:latin typeface="Microsoft JhengHei" panose="020B0604030504040204" pitchFamily="34" charset="-120"/>
+                <a:ea typeface="Microsoft JhengHei" panose="020B0604030504040204" pitchFamily="34" charset="-120"/>
                 <a:cs typeface="全真楷書" pitchFamily="49" charset="-120"/>
               </a:rPr>
               <a:t>你是否了解</a:t>
             </a:r>
-            <a:endParaRPr kumimoji="1" lang="en-US" altLang="zh-TW" sz="5400" dirty="0" smtClean="0">
-              <a:latin typeface="Times New Roman" pitchFamily="18" charset="0"/>
-              <a:ea typeface="新細明體" pitchFamily="18" charset="-120"/>
+            <a:endParaRPr kumimoji="1" lang="en-US" altLang="zh-TW" sz="5400" b="1" dirty="0">
+              <a:latin typeface="Microsoft JhengHei" panose="020B0604030504040204" pitchFamily="34" charset="-120"/>
+              <a:ea typeface="Microsoft JhengHei" panose="020B0604030504040204" pitchFamily="34" charset="-120"/>
               <a:cs typeface="全真楷書" pitchFamily="49" charset="-120"/>
             </a:endParaRPr>
           </a:p>
           <a:p>
-            <a:pPr marL="0" lvl="0" indent="0" algn="ctr" eaLnBrk="0" hangingPunct="0">
+            <a:pPr marL="0" indent="0" algn="ctr" eaLnBrk="0" hangingPunct="0">
               <a:spcBef>
                 <a:spcPct val="0"/>
               </a:spcBef>
               <a:buNone/>
             </a:pPr>
             <a:r>
-              <a:rPr kumimoji="1" lang="zh-TW" altLang="en-US" sz="5400" dirty="0" smtClean="0">
-                <a:latin typeface="Times New Roman" pitchFamily="18" charset="0"/>
-                <a:ea typeface="新細明體" pitchFamily="18" charset="-120"/>
+              <a:rPr kumimoji="1" lang="zh-TW" altLang="en-US" sz="5400" b="1" dirty="0">
+                <a:latin typeface="Microsoft JhengHei" panose="020B0604030504040204" pitchFamily="34" charset="-120"/>
+                <a:ea typeface="Microsoft JhengHei" panose="020B0604030504040204" pitchFamily="34" charset="-120"/>
                 <a:cs typeface="全真楷書" pitchFamily="49" charset="-120"/>
               </a:rPr>
               <a:t>最好的禮物是人子主耶穌</a:t>
             </a:r>
-            <a:endParaRPr kumimoji="1" lang="en-US" altLang="zh-TW" sz="5400" dirty="0" smtClean="0">
-              <a:latin typeface="Times New Roman" pitchFamily="18" charset="0"/>
-              <a:ea typeface="新細明體" pitchFamily="18" charset="-120"/>
+            <a:endParaRPr kumimoji="1" lang="en-US" altLang="zh-TW" sz="5400" b="1" dirty="0">
+              <a:latin typeface="Microsoft JhengHei" panose="020B0604030504040204" pitchFamily="34" charset="-120"/>
+              <a:ea typeface="Microsoft JhengHei" panose="020B0604030504040204" pitchFamily="34" charset="-120"/>
               <a:cs typeface="全真楷書" pitchFamily="49" charset="-120"/>
             </a:endParaRPr>
           </a:p>
@@ -4076,28 +3831,24 @@
         </p:nvSpPr>
         <p:spPr/>
         <p:txBody>
-          <a:bodyPr/>
+          <a:bodyPr>
+            <a:normAutofit/>
+          </a:bodyPr>
           <a:lstStyle/>
           <a:p>
             <a:pPr lvl="0"/>
             <a:r>
-              <a:rPr kumimoji="1" lang="zh-TW" altLang="en-US" dirty="0" smtClean="0">
-                <a:solidFill>
-                  <a:schemeClr val="tx1"/>
-                </a:solidFill>
-                <a:latin typeface="Times New Roman" pitchFamily="18" charset="0"/>
-                <a:ea typeface="新細明體" pitchFamily="18" charset="-120"/>
+              <a:rPr kumimoji="1" lang="zh-TW" altLang="en-US" b="1" dirty="0">
+                <a:latin typeface="Microsoft JhengHei" panose="020B0604030504040204" pitchFamily="34" charset="-120"/>
+                <a:ea typeface="Microsoft JhengHei" panose="020B0604030504040204" pitchFamily="34" charset="-120"/>
                 <a:cs typeface="全真行書" pitchFamily="49" charset="-120"/>
               </a:rPr>
               <a:t>一件禮物</a:t>
             </a:r>
-            <a:endParaRPr kumimoji="1" lang="zh-TW" altLang="en-US" sz="700" dirty="0" smtClean="0">
-              <a:solidFill>
-                <a:schemeClr val="tx1"/>
-              </a:solidFill>
-              <a:latin typeface="Arial" pitchFamily="34" charset="0"/>
-              <a:ea typeface="新細明體" pitchFamily="18" charset="-120"/>
-              <a:cs typeface="新細明體" pitchFamily="18" charset="-120"/>
+            <a:endParaRPr kumimoji="1" lang="zh-TW" altLang="en-US" b="1" dirty="0">
+              <a:latin typeface="Microsoft JhengHei" panose="020B0604030504040204" pitchFamily="34" charset="-120"/>
+              <a:ea typeface="Microsoft JhengHei" panose="020B0604030504040204" pitchFamily="34" charset="-120"/>
+              <a:cs typeface="全真行書" pitchFamily="49" charset="-120"/>
             </a:endParaRPr>
           </a:p>
         </p:txBody>
@@ -4114,7 +3865,9 @@
         </p:nvSpPr>
         <p:spPr/>
         <p:txBody>
-          <a:bodyPr/>
+          <a:bodyPr>
+            <a:normAutofit/>
+          </a:bodyPr>
           <a:lstStyle/>
           <a:p>
             <a:pPr marL="0" indent="0" algn="ctr" eaLnBrk="0" hangingPunct="0">
@@ -4124,32 +3877,32 @@
               <a:buNone/>
             </a:pPr>
             <a:r>
-              <a:rPr kumimoji="1" lang="zh-TW" altLang="en-US" sz="5400" dirty="0" smtClean="0">
-                <a:latin typeface="Times New Roman" pitchFamily="18" charset="0"/>
-                <a:ea typeface="新細明體" pitchFamily="18" charset="-120"/>
+              <a:rPr kumimoji="1" lang="zh-TW" altLang="en-US" sz="5400" b="1" dirty="0">
+                <a:latin typeface="Microsoft JhengHei" panose="020B0604030504040204" pitchFamily="34" charset="-120"/>
+                <a:ea typeface="Microsoft JhengHei" panose="020B0604030504040204" pitchFamily="34" charset="-120"/>
                 <a:cs typeface="全真楷書" pitchFamily="49" charset="-120"/>
               </a:rPr>
               <a:t>生命有限</a:t>
             </a:r>
             <a:r>
-              <a:rPr kumimoji="1" lang="en-US" altLang="zh-TW" sz="5400" dirty="0" smtClean="0">
-                <a:latin typeface="Times New Roman" pitchFamily="18" charset="0"/>
-                <a:ea typeface="新細明體" pitchFamily="18" charset="-120"/>
+              <a:rPr kumimoji="1" lang="en-US" altLang="zh-TW" sz="5400" b="1" dirty="0">
+                <a:latin typeface="Microsoft JhengHei" panose="020B0604030504040204" pitchFamily="34" charset="-120"/>
+                <a:ea typeface="Microsoft JhengHei" panose="020B0604030504040204" pitchFamily="34" charset="-120"/>
                 <a:cs typeface="全真楷書" pitchFamily="49" charset="-120"/>
               </a:rPr>
               <a:t>  </a:t>
             </a:r>
             <a:r>
-              <a:rPr kumimoji="1" lang="zh-TW" altLang="en-US" sz="5400" dirty="0" smtClean="0">
-                <a:latin typeface="Times New Roman" pitchFamily="18" charset="0"/>
-                <a:ea typeface="新細明體" pitchFamily="18" charset="-120"/>
+              <a:rPr kumimoji="1" lang="zh-TW" altLang="en-US" sz="5400" b="1" dirty="0">
+                <a:latin typeface="Microsoft JhengHei" panose="020B0604030504040204" pitchFamily="34" charset="-120"/>
+                <a:ea typeface="Microsoft JhengHei" panose="020B0604030504040204" pitchFamily="34" charset="-120"/>
                 <a:cs typeface="全真楷書" pitchFamily="49" charset="-120"/>
               </a:rPr>
               <a:t>時光也會走</a:t>
             </a:r>
-            <a:endParaRPr kumimoji="1" lang="en-US" altLang="zh-TW" sz="5400" dirty="0" smtClean="0">
-              <a:latin typeface="Times New Roman" pitchFamily="18" charset="0"/>
-              <a:ea typeface="新細明體" pitchFamily="18" charset="-120"/>
+            <a:endParaRPr kumimoji="1" lang="en-US" altLang="zh-TW" sz="5400" b="1" dirty="0">
+              <a:latin typeface="Microsoft JhengHei" panose="020B0604030504040204" pitchFamily="34" charset="-120"/>
+              <a:ea typeface="Microsoft JhengHei" panose="020B0604030504040204" pitchFamily="34" charset="-120"/>
               <a:cs typeface="全真楷書" pitchFamily="49" charset="-120"/>
             </a:endParaRPr>
           </a:p>
@@ -4161,32 +3914,32 @@
               <a:buNone/>
             </a:pPr>
             <a:r>
-              <a:rPr kumimoji="1" lang="zh-TW" altLang="en-US" sz="5400" dirty="0" smtClean="0">
-                <a:latin typeface="Times New Roman" pitchFamily="18" charset="0"/>
-                <a:ea typeface="新細明體" pitchFamily="18" charset="-120"/>
+              <a:rPr kumimoji="1" lang="zh-TW" altLang="en-US" sz="5400" b="1" dirty="0">
+                <a:latin typeface="Microsoft JhengHei" panose="020B0604030504040204" pitchFamily="34" charset="-120"/>
+                <a:ea typeface="Microsoft JhengHei" panose="020B0604030504040204" pitchFamily="34" charset="-120"/>
                 <a:cs typeface="全真楷書" pitchFamily="49" charset="-120"/>
               </a:rPr>
               <a:t>如果你不珍惜</a:t>
             </a:r>
             <a:r>
-              <a:rPr kumimoji="1" lang="en-US" altLang="zh-TW" sz="5400" dirty="0" smtClean="0">
-                <a:latin typeface="Times New Roman" pitchFamily="18" charset="0"/>
-                <a:ea typeface="新細明體" pitchFamily="18" charset="-120"/>
+              <a:rPr kumimoji="1" lang="en-US" altLang="zh-TW" sz="5400" b="1" dirty="0">
+                <a:latin typeface="Microsoft JhengHei" panose="020B0604030504040204" pitchFamily="34" charset="-120"/>
+                <a:ea typeface="Microsoft JhengHei" panose="020B0604030504040204" pitchFamily="34" charset="-120"/>
                 <a:cs typeface="全真楷書" pitchFamily="49" charset="-120"/>
               </a:rPr>
               <a:t>  </a:t>
             </a:r>
             <a:r>
-              <a:rPr kumimoji="1" lang="zh-TW" altLang="en-US" sz="5400" dirty="0" smtClean="0">
-                <a:latin typeface="Times New Roman" pitchFamily="18" charset="0"/>
-                <a:ea typeface="新細明體" pitchFamily="18" charset="-120"/>
+              <a:rPr kumimoji="1" lang="zh-TW" altLang="en-US" sz="5400" b="1" dirty="0">
+                <a:latin typeface="Microsoft JhengHei" panose="020B0604030504040204" pitchFamily="34" charset="-120"/>
+                <a:ea typeface="Microsoft JhengHei" panose="020B0604030504040204" pitchFamily="34" charset="-120"/>
                 <a:cs typeface="全真楷書" pitchFamily="49" charset="-120"/>
               </a:rPr>
               <a:t>機會難留</a:t>
             </a:r>
-            <a:endParaRPr kumimoji="1" lang="en-US" altLang="zh-TW" sz="5400" dirty="0" smtClean="0">
-              <a:latin typeface="Times New Roman" pitchFamily="18" charset="0"/>
-              <a:ea typeface="新細明體" pitchFamily="18" charset="-120"/>
+            <a:endParaRPr kumimoji="1" lang="en-US" altLang="zh-TW" sz="5400" b="1" dirty="0">
+              <a:latin typeface="Microsoft JhengHei" panose="020B0604030504040204" pitchFamily="34" charset="-120"/>
+              <a:ea typeface="Microsoft JhengHei" panose="020B0604030504040204" pitchFamily="34" charset="-120"/>
               <a:cs typeface="全真楷書" pitchFamily="49" charset="-120"/>
             </a:endParaRPr>
           </a:p>
@@ -4198,32 +3951,32 @@
               <a:buNone/>
             </a:pPr>
             <a:r>
-              <a:rPr kumimoji="1" lang="zh-TW" altLang="en-US" sz="5400" dirty="0" smtClean="0">
-                <a:latin typeface="Times New Roman" pitchFamily="18" charset="0"/>
-                <a:ea typeface="新細明體" pitchFamily="18" charset="-120"/>
+              <a:rPr kumimoji="1" lang="zh-TW" altLang="en-US" sz="5400" b="1" dirty="0">
+                <a:latin typeface="Microsoft JhengHei" panose="020B0604030504040204" pitchFamily="34" charset="-120"/>
+                <a:ea typeface="Microsoft JhengHei" panose="020B0604030504040204" pitchFamily="34" charset="-120"/>
                 <a:cs typeface="全真楷書" pitchFamily="49" charset="-120"/>
               </a:rPr>
               <a:t>禮物雖然好</a:t>
             </a:r>
             <a:r>
-              <a:rPr kumimoji="1" lang="en-US" altLang="zh-TW" sz="5400" dirty="0" smtClean="0">
-                <a:latin typeface="Times New Roman" pitchFamily="18" charset="0"/>
-                <a:ea typeface="新細明體" pitchFamily="18" charset="-120"/>
+              <a:rPr kumimoji="1" lang="en-US" altLang="zh-TW" sz="5400" b="1" dirty="0">
+                <a:latin typeface="Microsoft JhengHei" panose="020B0604030504040204" pitchFamily="34" charset="-120"/>
+                <a:ea typeface="Microsoft JhengHei" panose="020B0604030504040204" pitchFamily="34" charset="-120"/>
                 <a:cs typeface="全真楷書" pitchFamily="49" charset="-120"/>
               </a:rPr>
               <a:t>  </a:t>
             </a:r>
             <a:r>
-              <a:rPr kumimoji="1" lang="zh-TW" altLang="en-US" sz="5400" dirty="0" smtClean="0">
-                <a:latin typeface="Times New Roman" pitchFamily="18" charset="0"/>
-                <a:ea typeface="新細明體" pitchFamily="18" charset="-120"/>
+              <a:rPr kumimoji="1" lang="zh-TW" altLang="en-US" sz="5400" b="1" dirty="0">
+                <a:latin typeface="Microsoft JhengHei" panose="020B0604030504040204" pitchFamily="34" charset="-120"/>
+                <a:ea typeface="Microsoft JhengHei" panose="020B0604030504040204" pitchFamily="34" charset="-120"/>
                 <a:cs typeface="全真楷書" pitchFamily="49" charset="-120"/>
               </a:rPr>
               <a:t>如果你不要</a:t>
             </a:r>
-            <a:endParaRPr kumimoji="1" lang="en-US" altLang="zh-TW" sz="5400" dirty="0" smtClean="0">
-              <a:latin typeface="Times New Roman" pitchFamily="18" charset="0"/>
-              <a:ea typeface="新細明體" pitchFamily="18" charset="-120"/>
+            <a:endParaRPr kumimoji="1" lang="en-US" altLang="zh-TW" sz="5400" b="1" dirty="0">
+              <a:latin typeface="Microsoft JhengHei" panose="020B0604030504040204" pitchFamily="34" charset="-120"/>
+              <a:ea typeface="Microsoft JhengHei" panose="020B0604030504040204" pitchFamily="34" charset="-120"/>
               <a:cs typeface="全真楷書" pitchFamily="49" charset="-120"/>
             </a:endParaRPr>
           </a:p>
@@ -4235,16 +3988,16 @@
               <a:buNone/>
             </a:pPr>
             <a:r>
-              <a:rPr kumimoji="1" lang="zh-TW" altLang="en-US" sz="5400" dirty="0" smtClean="0">
-                <a:latin typeface="Times New Roman" pitchFamily="18" charset="0"/>
-                <a:ea typeface="新細明體" pitchFamily="18" charset="-120"/>
+              <a:rPr kumimoji="1" lang="zh-TW" altLang="en-US" sz="5400" b="1" dirty="0">
+                <a:latin typeface="Microsoft JhengHei" panose="020B0604030504040204" pitchFamily="34" charset="-120"/>
+                <a:ea typeface="Microsoft JhengHei" panose="020B0604030504040204" pitchFamily="34" charset="-120"/>
                 <a:cs typeface="全真楷書" pitchFamily="49" charset="-120"/>
               </a:rPr>
               <a:t>你怎麼能夠得到</a:t>
             </a:r>
-            <a:endParaRPr kumimoji="1" lang="en-US" altLang="zh-TW" sz="5400" dirty="0" smtClean="0">
-              <a:latin typeface="Times New Roman" pitchFamily="18" charset="0"/>
-              <a:ea typeface="新細明體" pitchFamily="18" charset="-120"/>
+            <a:endParaRPr kumimoji="1" lang="en-US" altLang="zh-TW" sz="5400" b="1" dirty="0">
+              <a:latin typeface="Microsoft JhengHei" panose="020B0604030504040204" pitchFamily="34" charset="-120"/>
+              <a:ea typeface="Microsoft JhengHei" panose="020B0604030504040204" pitchFamily="34" charset="-120"/>
               <a:cs typeface="全真楷書" pitchFamily="49" charset="-120"/>
             </a:endParaRPr>
           </a:p>
@@ -4256,26 +4009,13 @@
               <a:buNone/>
             </a:pPr>
             <a:r>
-              <a:rPr kumimoji="1" lang="zh-TW" altLang="en-US" sz="5400" dirty="0" smtClean="0">
-                <a:latin typeface="Times New Roman" pitchFamily="18" charset="0"/>
-                <a:ea typeface="新細明體" pitchFamily="18" charset="-120"/>
-                <a:cs typeface="全真楷書" pitchFamily="49" charset="-120"/>
-              </a:rPr>
-              <a:t>怎麼能</a:t>
-            </a:r>
-            <a:r>
-              <a:rPr kumimoji="1" lang="zh-TW" altLang="en-US" sz="5400" dirty="0" smtClean="0">
-                <a:latin typeface="Times New Roman" pitchFamily="18" charset="0"/>
-                <a:ea typeface="新細明體" pitchFamily="18" charset="-120"/>
-                <a:cs typeface="全真楷書" pitchFamily="49" charset="-120"/>
-              </a:rPr>
-              <a:t>得到</a:t>
-            </a:r>
-            <a:endParaRPr kumimoji="1" lang="zh-TW" altLang="en-US" sz="5400" dirty="0" smtClean="0">
-              <a:latin typeface="Times New Roman" pitchFamily="18" charset="0"/>
-              <a:ea typeface="新細明體" pitchFamily="18" charset="-120"/>
-              <a:cs typeface="全真楷書" pitchFamily="49" charset="-120"/>
-            </a:endParaRPr>
+              <a:rPr kumimoji="1" lang="zh-TW" altLang="en-US" sz="5400" b="1" dirty="0">
+                <a:latin typeface="Microsoft JhengHei" panose="020B0604030504040204" pitchFamily="34" charset="-120"/>
+                <a:ea typeface="Microsoft JhengHei" panose="020B0604030504040204" pitchFamily="34" charset="-120"/>
+                <a:cs typeface="全真楷書" pitchFamily="49" charset="-120"/>
+              </a:rPr>
+              <a:t>怎麼能得到</a:t>
+            </a:r>
           </a:p>
         </p:txBody>
       </p:sp>
@@ -4288,7 +4028,7 @@
 </file>
 
 <file path=ppt/theme/theme1.xml><?xml version="1.0" encoding="utf-8"?>
-<a:theme xmlns:a="http://schemas.openxmlformats.org/drawingml/2006/main" name="佈景主題1">
+<a:theme xmlns:a="http://schemas.openxmlformats.org/drawingml/2006/main" name="Church Theme">
   <a:themeElements>
     <a:clrScheme name="Office">
       <a:dk1>
